--- a/0517/20210517_객체지향_winform.pptx
+++ b/0517/20210517_객체지향_winform.pptx
@@ -1,24 +1,28 @@
 
 <file path=ppt/presentation.xml><?xml version="1.0" encoding="utf-8"?>
-<p:presentation xmlns:a="http://schemas.openxmlformats.org/drawingml/2006/main" xmlns:r="http://schemas.openxmlformats.org/officeDocument/2006/relationships" xmlns:p="http://schemas.openxmlformats.org/presentationml/2006/main" saveSubsetFonts="1">
+<p:presentation xmlns:r="http://schemas.openxmlformats.org/officeDocument/2006/relationships" xmlns:c="http://schemas.openxmlformats.org/drawingml/2006/chart" xmlns:a="http://schemas.openxmlformats.org/drawingml/2006/main" xmlns:dgm="http://schemas.openxmlformats.org/drawingml/2006/diagram" xmlns:dsp="http://schemas.microsoft.com/office/drawing/2008/diagram" xmlns:p="http://schemas.openxmlformats.org/presentationml/2006/main">
   <p:sldMasterIdLst>
-    <p:sldMasterId id="2147483648" r:id="rId1"/>
+    <p:sldMasterId id="2147483663" r:id="rId1"/>
   </p:sldMasterIdLst>
   <p:sldIdLst>
-    <p:sldId id="258" r:id="rId2"/>
-    <p:sldId id="259" r:id="rId3"/>
-    <p:sldId id="260" r:id="rId4"/>
-    <p:sldId id="261" r:id="rId5"/>
-    <p:sldId id="262" r:id="rId6"/>
-    <p:sldId id="263" r:id="rId7"/>
-    <p:sldId id="265" r:id="rId8"/>
-    <p:sldId id="264" r:id="rId9"/>
-    <p:sldId id="266" r:id="rId10"/>
-    <p:sldId id="267" r:id="rId11"/>
-    <p:sldId id="268" r:id="rId12"/>
-    <p:sldId id="269" r:id="rId13"/>
-    <p:sldId id="256" r:id="rId14"/>
-    <p:sldId id="257" r:id="rId15"/>
+    <p:sldId id="256" r:id="rId2"/>
+    <p:sldId id="257" r:id="rId3"/>
+    <p:sldId id="258" r:id="rId4"/>
+    <p:sldId id="259" r:id="rId5"/>
+    <p:sldId id="260" r:id="rId6"/>
+    <p:sldId id="261" r:id="rId7"/>
+    <p:sldId id="262" r:id="rId8"/>
+    <p:sldId id="263" r:id="rId9"/>
+    <p:sldId id="264" r:id="rId10"/>
+    <p:sldId id="265" r:id="rId11"/>
+    <p:sldId id="266" r:id="rId12"/>
+    <p:sldId id="267" r:id="rId13"/>
+    <p:sldId id="268" r:id="rId14"/>
+    <p:sldId id="269" r:id="rId15"/>
+    <p:sldId id="270" r:id="rId16"/>
+    <p:sldId id="271" r:id="rId17"/>
+    <p:sldId id="272" r:id="rId18"/>
+    <p:sldId id="273" r:id="rId19"/>
   </p:sldIdLst>
   <p:sldSz cx="12192000" cy="6858000"/>
   <p:notesSz cx="6858000" cy="9144000"/>
@@ -7081,6 +7085,1807 @@
 </file>
 
 <file path=ppt/slides/slide13.xml><?xml version="1.0" encoding="utf-8"?>
+<p:sld xmlns:r="http://schemas.openxmlformats.org/officeDocument/2006/relationships" xmlns:c="http://schemas.openxmlformats.org/drawingml/2006/chart" xmlns:a="http://schemas.openxmlformats.org/drawingml/2006/main" xmlns:dgm="http://schemas.openxmlformats.org/drawingml/2006/diagram" xmlns:dsp="http://schemas.microsoft.com/office/drawing/2008/diagram" xmlns:p="http://schemas.openxmlformats.org/presentationml/2006/main">
+  <p:cSld>
+    <p:spTree>
+      <p:nvGrpSpPr>
+        <p:cNvPr id="1" name=""/>
+        <p:cNvGrpSpPr/>
+        <p:nvPr/>
+      </p:nvGrpSpPr>
+      <p:grpSpPr>
+        <a:xfrm>
+          <a:off x="0" y="0"/>
+          <a:ext cx="0" cy="0"/>
+          <a:chOff x="0" y="0"/>
+          <a:chExt cx="0" cy="0"/>
+        </a:xfrm>
+      </p:grpSpPr>
+      <p:pic>
+        <p:nvPicPr>
+          <p:cNvPr id="4" name=""/>
+          <p:cNvPicPr>
+            <a:picLocks noChangeAspect="1"/>
+          </p:cNvPicPr>
+          <p:nvPr/>
+        </p:nvPicPr>
+        <p:blipFill rotWithShape="1">
+          <a:blip r:embed="rId2"/>
+          <a:stretch>
+            <a:fillRect/>
+          </a:stretch>
+        </p:blipFill>
+        <p:spPr>
+          <a:xfrm>
+            <a:off x="5438143" y="409318"/>
+            <a:ext cx="6411588" cy="2605129"/>
+          </a:xfrm>
+          <a:prstGeom prst="rect">
+            <a:avLst/>
+          </a:prstGeom>
+        </p:spPr>
+      </p:pic>
+      <p:sp>
+        <p:nvSpPr>
+          <p:cNvPr id="5" name=""/>
+          <p:cNvSpPr txBox="1"/>
+          <p:nvPr/>
+        </p:nvSpPr>
+        <p:spPr>
+          <a:xfrm>
+            <a:off x="533400" y="619125"/>
+            <a:ext cx="3343275" cy="445770"/>
+          </a:xfrm>
+          <a:prstGeom prst="rect">
+            <a:avLst/>
+          </a:prstGeom>
+        </p:spPr>
+        <p:txBody>
+          <a:bodyPr wrap="square">
+            <a:spAutoFit/>
+          </a:bodyPr>
+          <a:p>
+            <a:pPr>
+              <a:defRPr/>
+            </a:pPr>
+            <a:r>
+              <a:rPr lang="en-US" altLang="ko-KR" sz="2400"/>
+              <a:t>MordalLess</a:t>
+            </a:r>
+            <a:endParaRPr lang="en-US" altLang="ko-KR" sz="2400"/>
+          </a:p>
+        </p:txBody>
+      </p:sp>
+      <p:sp>
+        <p:nvSpPr>
+          <p:cNvPr id="7" name=""/>
+          <p:cNvSpPr txBox="1"/>
+          <p:nvPr/>
+        </p:nvSpPr>
+        <p:spPr>
+          <a:xfrm>
+            <a:off x="200024" y="2981325"/>
+            <a:ext cx="5724526" cy="3503295"/>
+          </a:xfrm>
+          <a:prstGeom prst="rect">
+            <a:avLst/>
+          </a:prstGeom>
+        </p:spPr>
+        <p:txBody>
+          <a:bodyPr wrap="square">
+            <a:spAutoFit/>
+          </a:bodyPr>
+          <a:p>
+            <a:pPr lvl="0">
+              <a:defRPr/>
+            </a:pPr>
+            <a:r>
+              <a:rPr lang="en-US" altLang="ko-KR" sz="1400">
+                <a:solidFill>
+                  <a:srgbClr val="0000ff"/>
+                </a:solidFill>
+                <a:latin typeface="돋움체"/>
+                <a:ea typeface="돋움체"/>
+              </a:rPr>
+              <a:t>namespace</a:t>
+            </a:r>
+            <a:r>
+              <a:rPr lang="en-US" altLang="ko-KR" sz="1400">
+                <a:solidFill>
+                  <a:srgbClr val="000000"/>
+                </a:solidFill>
+                <a:latin typeface="돋움체"/>
+                <a:ea typeface="돋움체"/>
+              </a:rPr>
+              <a:t> _0517winform</a:t>
+            </a:r>
+            <a:endParaRPr lang="en-US" altLang="ko-KR" sz="1400">
+              <a:solidFill>
+                <a:srgbClr val="000000"/>
+              </a:solidFill>
+              <a:latin typeface="돋움체"/>
+              <a:ea typeface="돋움체"/>
+            </a:endParaRPr>
+          </a:p>
+          <a:p>
+            <a:pPr lvl="0">
+              <a:defRPr/>
+            </a:pPr>
+            <a:r>
+              <a:rPr lang="en-US" altLang="ko-KR" sz="1400">
+                <a:solidFill>
+                  <a:srgbClr val="000000"/>
+                </a:solidFill>
+                <a:latin typeface="돋움체"/>
+                <a:ea typeface="돋움체"/>
+              </a:rPr>
+              <a:t>{</a:t>
+            </a:r>
+            <a:endParaRPr lang="en-US" altLang="ko-KR" sz="1400">
+              <a:solidFill>
+                <a:srgbClr val="000000"/>
+              </a:solidFill>
+              <a:latin typeface="돋움체"/>
+              <a:ea typeface="돋움체"/>
+            </a:endParaRPr>
+          </a:p>
+          <a:p>
+            <a:pPr lvl="0">
+              <a:defRPr/>
+            </a:pPr>
+            <a:r>
+              <a:rPr lang="en-US" altLang="ko-KR" sz="1400">
+                <a:solidFill>
+                  <a:srgbClr val="000000"/>
+                </a:solidFill>
+                <a:latin typeface="돋움체"/>
+                <a:ea typeface="돋움체"/>
+              </a:rPr>
+              <a:t>    </a:t>
+            </a:r>
+            <a:r>
+              <a:rPr lang="en-US" altLang="ko-KR" sz="1400">
+                <a:solidFill>
+                  <a:srgbClr val="0000ff"/>
+                </a:solidFill>
+                <a:latin typeface="돋움체"/>
+                <a:ea typeface="돋움체"/>
+              </a:rPr>
+              <a:t>public</a:t>
+            </a:r>
+            <a:r>
+              <a:rPr lang="en-US" altLang="ko-KR" sz="1400">
+                <a:solidFill>
+                  <a:srgbClr val="000000"/>
+                </a:solidFill>
+                <a:latin typeface="돋움체"/>
+                <a:ea typeface="돋움체"/>
+              </a:rPr>
+              <a:t> </a:t>
+            </a:r>
+            <a:r>
+              <a:rPr lang="en-US" altLang="ko-KR" sz="1400">
+                <a:solidFill>
+                  <a:srgbClr val="0000ff"/>
+                </a:solidFill>
+                <a:latin typeface="돋움체"/>
+                <a:ea typeface="돋움체"/>
+              </a:rPr>
+              <a:t>partial</a:t>
+            </a:r>
+            <a:r>
+              <a:rPr lang="en-US" altLang="ko-KR" sz="1400">
+                <a:solidFill>
+                  <a:srgbClr val="000000"/>
+                </a:solidFill>
+                <a:latin typeface="돋움체"/>
+                <a:ea typeface="돋움체"/>
+              </a:rPr>
+              <a:t> </a:t>
+            </a:r>
+            <a:r>
+              <a:rPr lang="en-US" altLang="ko-KR" sz="1400">
+                <a:solidFill>
+                  <a:srgbClr val="0000ff"/>
+                </a:solidFill>
+                <a:latin typeface="돋움체"/>
+                <a:ea typeface="돋움체"/>
+              </a:rPr>
+              <a:t>class</a:t>
+            </a:r>
+            <a:r>
+              <a:rPr lang="en-US" altLang="ko-KR" sz="1400">
+                <a:solidFill>
+                  <a:srgbClr val="000000"/>
+                </a:solidFill>
+                <a:latin typeface="돋움체"/>
+                <a:ea typeface="돋움체"/>
+              </a:rPr>
+              <a:t> </a:t>
+            </a:r>
+            <a:r>
+              <a:rPr lang="en-US" altLang="ko-KR" sz="1400">
+                <a:solidFill>
+                  <a:srgbClr val="2b91af"/>
+                </a:solidFill>
+                <a:latin typeface="돋움체"/>
+                <a:ea typeface="돋움체"/>
+              </a:rPr>
+              <a:t>Form1</a:t>
+            </a:r>
+            <a:r>
+              <a:rPr lang="en-US" altLang="ko-KR" sz="1400">
+                <a:solidFill>
+                  <a:srgbClr val="000000"/>
+                </a:solidFill>
+                <a:latin typeface="돋움체"/>
+                <a:ea typeface="돋움체"/>
+              </a:rPr>
+              <a:t> : Form</a:t>
+            </a:r>
+            <a:endParaRPr lang="en-US" altLang="ko-KR" sz="1400">
+              <a:solidFill>
+                <a:srgbClr val="000000"/>
+              </a:solidFill>
+              <a:latin typeface="돋움체"/>
+              <a:ea typeface="돋움체"/>
+            </a:endParaRPr>
+          </a:p>
+          <a:p>
+            <a:pPr lvl="0">
+              <a:defRPr/>
+            </a:pPr>
+            <a:r>
+              <a:rPr lang="ko-KR" altLang="en-US" sz="1400">
+                <a:solidFill>
+                  <a:srgbClr val="000000"/>
+                </a:solidFill>
+                <a:latin typeface="돋움체"/>
+                <a:ea typeface="돋움체"/>
+              </a:rPr>
+              <a:t>    </a:t>
+            </a:r>
+            <a:r>
+              <a:rPr lang="en-US" altLang="ko-KR" sz="1400">
+                <a:solidFill>
+                  <a:srgbClr val="000000"/>
+                </a:solidFill>
+                <a:latin typeface="돋움체"/>
+                <a:ea typeface="돋움체"/>
+              </a:rPr>
+              <a:t>{</a:t>
+            </a:r>
+            <a:endParaRPr lang="en-US" altLang="ko-KR" sz="1400">
+              <a:solidFill>
+                <a:srgbClr val="000000"/>
+              </a:solidFill>
+              <a:latin typeface="돋움체"/>
+              <a:ea typeface="돋움체"/>
+            </a:endParaRPr>
+          </a:p>
+          <a:p>
+            <a:pPr lvl="0">
+              <a:defRPr/>
+            </a:pPr>
+            <a:r>
+              <a:rPr lang="en-US" altLang="ko-KR" sz="1400">
+                <a:solidFill>
+                  <a:srgbClr val="000000"/>
+                </a:solidFill>
+                <a:latin typeface="돋움체"/>
+                <a:ea typeface="돋움체"/>
+              </a:rPr>
+              <a:t>        </a:t>
+            </a:r>
+            <a:r>
+              <a:rPr lang="en-US" altLang="ko-KR" sz="1400">
+                <a:solidFill>
+                  <a:srgbClr val="0000ff"/>
+                </a:solidFill>
+                <a:latin typeface="돋움체"/>
+                <a:ea typeface="돋움체"/>
+              </a:rPr>
+              <a:t>public</a:t>
+            </a:r>
+            <a:r>
+              <a:rPr lang="en-US" altLang="ko-KR" sz="1400">
+                <a:solidFill>
+                  <a:srgbClr val="000000"/>
+                </a:solidFill>
+                <a:latin typeface="돋움체"/>
+                <a:ea typeface="돋움체"/>
+              </a:rPr>
+              <a:t> </a:t>
+            </a:r>
+            <a:r>
+              <a:rPr lang="en-US" altLang="ko-KR" sz="1400">
+                <a:solidFill>
+                  <a:srgbClr val="2b91af"/>
+                </a:solidFill>
+                <a:latin typeface="돋움체"/>
+                <a:ea typeface="돋움체"/>
+              </a:rPr>
+              <a:t>Form1</a:t>
+            </a:r>
+            <a:r>
+              <a:rPr lang="en-US" altLang="ko-KR" sz="1400">
+                <a:solidFill>
+                  <a:srgbClr val="000000"/>
+                </a:solidFill>
+                <a:latin typeface="돋움체"/>
+                <a:ea typeface="돋움체"/>
+              </a:rPr>
+              <a:t>()</a:t>
+            </a:r>
+            <a:endParaRPr lang="en-US" altLang="ko-KR" sz="1400">
+              <a:solidFill>
+                <a:srgbClr val="000000"/>
+              </a:solidFill>
+              <a:latin typeface="돋움체"/>
+              <a:ea typeface="돋움체"/>
+            </a:endParaRPr>
+          </a:p>
+          <a:p>
+            <a:pPr lvl="0">
+              <a:defRPr/>
+            </a:pPr>
+            <a:r>
+              <a:rPr lang="ko-KR" altLang="en-US" sz="1400">
+                <a:solidFill>
+                  <a:srgbClr val="000000"/>
+                </a:solidFill>
+                <a:latin typeface="돋움체"/>
+                <a:ea typeface="돋움체"/>
+              </a:rPr>
+              <a:t>        </a:t>
+            </a:r>
+            <a:r>
+              <a:rPr lang="en-US" altLang="ko-KR" sz="1400">
+                <a:solidFill>
+                  <a:srgbClr val="000000"/>
+                </a:solidFill>
+                <a:latin typeface="돋움체"/>
+                <a:ea typeface="돋움체"/>
+              </a:rPr>
+              <a:t>{</a:t>
+            </a:r>
+            <a:endParaRPr lang="en-US" altLang="ko-KR" sz="1400">
+              <a:solidFill>
+                <a:srgbClr val="000000"/>
+              </a:solidFill>
+              <a:latin typeface="돋움체"/>
+              <a:ea typeface="돋움체"/>
+            </a:endParaRPr>
+          </a:p>
+          <a:p>
+            <a:pPr lvl="0">
+              <a:defRPr/>
+            </a:pPr>
+            <a:r>
+              <a:rPr lang="en-US" altLang="ko-KR" sz="1400">
+                <a:solidFill>
+                  <a:srgbClr val="000000"/>
+                </a:solidFill>
+                <a:latin typeface="돋움체"/>
+                <a:ea typeface="돋움체"/>
+              </a:rPr>
+              <a:t>            InitializeComponent();</a:t>
+            </a:r>
+            <a:endParaRPr lang="en-US" altLang="ko-KR" sz="1400">
+              <a:solidFill>
+                <a:srgbClr val="000000"/>
+              </a:solidFill>
+              <a:latin typeface="돋움체"/>
+              <a:ea typeface="돋움체"/>
+            </a:endParaRPr>
+          </a:p>
+          <a:p>
+            <a:pPr lvl="0">
+              <a:defRPr/>
+            </a:pPr>
+            <a:r>
+              <a:rPr lang="ko-KR" altLang="en-US" sz="1400">
+                <a:solidFill>
+                  <a:srgbClr val="000000"/>
+                </a:solidFill>
+                <a:latin typeface="돋움체"/>
+                <a:ea typeface="돋움체"/>
+              </a:rPr>
+              <a:t>        </a:t>
+            </a:r>
+            <a:r>
+              <a:rPr lang="en-US" altLang="ko-KR" sz="1400">
+                <a:solidFill>
+                  <a:srgbClr val="000000"/>
+                </a:solidFill>
+                <a:latin typeface="돋움체"/>
+                <a:ea typeface="돋움체"/>
+              </a:rPr>
+              <a:t>}</a:t>
+            </a:r>
+            <a:endParaRPr lang="en-US" altLang="ko-KR" sz="1400">
+              <a:solidFill>
+                <a:srgbClr val="000000"/>
+              </a:solidFill>
+              <a:latin typeface="돋움체"/>
+              <a:ea typeface="돋움체"/>
+            </a:endParaRPr>
+          </a:p>
+          <a:p>
+            <a:pPr lvl="0">
+              <a:defRPr/>
+            </a:pPr>
+            <a:endParaRPr lang="ko-KR" altLang="en-US" sz="1400">
+              <a:solidFill>
+                <a:srgbClr val="000000"/>
+              </a:solidFill>
+              <a:latin typeface="돋움체"/>
+              <a:ea typeface="돋움체"/>
+            </a:endParaRPr>
+          </a:p>
+          <a:p>
+            <a:pPr lvl="0">
+              <a:defRPr/>
+            </a:pPr>
+            <a:r>
+              <a:rPr lang="en-US" altLang="ko-KR" sz="1400">
+                <a:solidFill>
+                  <a:srgbClr val="000000"/>
+                </a:solidFill>
+                <a:latin typeface="돋움체"/>
+                <a:ea typeface="돋움체"/>
+              </a:rPr>
+              <a:t>        </a:t>
+            </a:r>
+            <a:r>
+              <a:rPr lang="en-US" altLang="ko-KR" sz="1400">
+                <a:solidFill>
+                  <a:srgbClr val="0000ff"/>
+                </a:solidFill>
+                <a:latin typeface="돋움체"/>
+                <a:ea typeface="돋움체"/>
+              </a:rPr>
+              <a:t>private</a:t>
+            </a:r>
+            <a:r>
+              <a:rPr lang="en-US" altLang="ko-KR" sz="1400">
+                <a:solidFill>
+                  <a:srgbClr val="000000"/>
+                </a:solidFill>
+                <a:latin typeface="돋움체"/>
+                <a:ea typeface="돋움체"/>
+              </a:rPr>
+              <a:t> </a:t>
+            </a:r>
+            <a:r>
+              <a:rPr lang="en-US" altLang="ko-KR" sz="1400">
+                <a:solidFill>
+                  <a:srgbClr val="0000ff"/>
+                </a:solidFill>
+                <a:latin typeface="돋움체"/>
+                <a:ea typeface="돋움체"/>
+              </a:rPr>
+              <a:t>void</a:t>
+            </a:r>
+            <a:r>
+              <a:rPr lang="en-US" altLang="ko-KR" sz="1400">
+                <a:solidFill>
+                  <a:srgbClr val="000000"/>
+                </a:solidFill>
+                <a:latin typeface="돋움체"/>
+                <a:ea typeface="돋움체"/>
+              </a:rPr>
+              <a:t> button1_Click(</a:t>
+            </a:r>
+            <a:r>
+              <a:rPr lang="en-US" altLang="ko-KR" sz="1400">
+                <a:solidFill>
+                  <a:srgbClr val="0000ff"/>
+                </a:solidFill>
+                <a:latin typeface="돋움체"/>
+                <a:ea typeface="돋움체"/>
+              </a:rPr>
+              <a:t>object</a:t>
+            </a:r>
+            <a:r>
+              <a:rPr lang="en-US" altLang="ko-KR" sz="1400">
+                <a:solidFill>
+                  <a:srgbClr val="000000"/>
+                </a:solidFill>
+                <a:latin typeface="돋움체"/>
+                <a:ea typeface="돋움체"/>
+              </a:rPr>
+              <a:t> sender, EventArgs e)</a:t>
+            </a:r>
+            <a:endParaRPr lang="en-US" altLang="ko-KR" sz="1400">
+              <a:solidFill>
+                <a:srgbClr val="000000"/>
+              </a:solidFill>
+              <a:latin typeface="돋움체"/>
+              <a:ea typeface="돋움체"/>
+            </a:endParaRPr>
+          </a:p>
+          <a:p>
+            <a:pPr lvl="0">
+              <a:defRPr/>
+            </a:pPr>
+            <a:r>
+              <a:rPr lang="ko-KR" altLang="en-US" sz="1400">
+                <a:solidFill>
+                  <a:srgbClr val="000000"/>
+                </a:solidFill>
+                <a:latin typeface="돋움체"/>
+                <a:ea typeface="돋움체"/>
+              </a:rPr>
+              <a:t>        </a:t>
+            </a:r>
+            <a:r>
+              <a:rPr lang="en-US" altLang="ko-KR" sz="1400">
+                <a:solidFill>
+                  <a:srgbClr val="000000"/>
+                </a:solidFill>
+                <a:latin typeface="돋움체"/>
+                <a:ea typeface="돋움체"/>
+              </a:rPr>
+              <a:t>{</a:t>
+            </a:r>
+            <a:endParaRPr lang="en-US" altLang="ko-KR" sz="1400">
+              <a:solidFill>
+                <a:srgbClr val="000000"/>
+              </a:solidFill>
+              <a:latin typeface="돋움체"/>
+              <a:ea typeface="돋움체"/>
+            </a:endParaRPr>
+          </a:p>
+          <a:p>
+            <a:pPr lvl="0">
+              <a:defRPr/>
+            </a:pPr>
+            <a:r>
+              <a:rPr lang="en-US" altLang="ko-KR" sz="1400">
+                <a:solidFill>
+                  <a:srgbClr val="000000"/>
+                </a:solidFill>
+                <a:latin typeface="돋움체"/>
+                <a:ea typeface="돋움체"/>
+              </a:rPr>
+              <a:t>            Form2 form2 = </a:t>
+            </a:r>
+            <a:r>
+              <a:rPr lang="en-US" altLang="ko-KR" sz="1400">
+                <a:solidFill>
+                  <a:srgbClr val="0000ff"/>
+                </a:solidFill>
+                <a:latin typeface="돋움체"/>
+                <a:ea typeface="돋움체"/>
+              </a:rPr>
+              <a:t>new</a:t>
+            </a:r>
+            <a:r>
+              <a:rPr lang="en-US" altLang="ko-KR" sz="1400">
+                <a:solidFill>
+                  <a:srgbClr val="000000"/>
+                </a:solidFill>
+                <a:latin typeface="돋움체"/>
+                <a:ea typeface="돋움체"/>
+              </a:rPr>
+              <a:t> Form2();</a:t>
+            </a:r>
+            <a:endParaRPr lang="en-US" altLang="ko-KR" sz="1400">
+              <a:solidFill>
+                <a:srgbClr val="000000"/>
+              </a:solidFill>
+              <a:latin typeface="돋움체"/>
+              <a:ea typeface="돋움체"/>
+            </a:endParaRPr>
+          </a:p>
+          <a:p>
+            <a:pPr lvl="0">
+              <a:defRPr/>
+            </a:pPr>
+            <a:r>
+              <a:rPr lang="en-US" altLang="ko-KR" sz="1400">
+                <a:solidFill>
+                  <a:srgbClr val="000000"/>
+                </a:solidFill>
+                <a:latin typeface="돋움체"/>
+                <a:ea typeface="돋움체"/>
+              </a:rPr>
+              <a:t>            form2.Show();</a:t>
+            </a:r>
+            <a:endParaRPr lang="en-US" altLang="ko-KR" sz="1400">
+              <a:solidFill>
+                <a:srgbClr val="000000"/>
+              </a:solidFill>
+              <a:latin typeface="돋움체"/>
+              <a:ea typeface="돋움체"/>
+            </a:endParaRPr>
+          </a:p>
+          <a:p>
+            <a:pPr lvl="0">
+              <a:defRPr/>
+            </a:pPr>
+            <a:r>
+              <a:rPr lang="ko-KR" altLang="en-US" sz="1400">
+                <a:solidFill>
+                  <a:srgbClr val="000000"/>
+                </a:solidFill>
+                <a:latin typeface="돋움체"/>
+                <a:ea typeface="돋움체"/>
+              </a:rPr>
+              <a:t>        </a:t>
+            </a:r>
+            <a:r>
+              <a:rPr lang="en-US" altLang="ko-KR" sz="1400">
+                <a:solidFill>
+                  <a:srgbClr val="000000"/>
+                </a:solidFill>
+                <a:latin typeface="돋움체"/>
+                <a:ea typeface="돋움체"/>
+              </a:rPr>
+              <a:t>}</a:t>
+            </a:r>
+            <a:endParaRPr lang="en-US" altLang="ko-KR" sz="1400">
+              <a:solidFill>
+                <a:srgbClr val="000000"/>
+              </a:solidFill>
+              <a:latin typeface="돋움체"/>
+              <a:ea typeface="돋움체"/>
+            </a:endParaRPr>
+          </a:p>
+          <a:p>
+            <a:pPr lvl="0">
+              <a:defRPr/>
+            </a:pPr>
+            <a:r>
+              <a:rPr lang="ko-KR" altLang="en-US" sz="1400">
+                <a:solidFill>
+                  <a:srgbClr val="000000"/>
+                </a:solidFill>
+                <a:latin typeface="돋움체"/>
+                <a:ea typeface="돋움체"/>
+              </a:rPr>
+              <a:t>    </a:t>
+            </a:r>
+            <a:r>
+              <a:rPr lang="en-US" altLang="ko-KR" sz="1400">
+                <a:solidFill>
+                  <a:srgbClr val="000000"/>
+                </a:solidFill>
+                <a:latin typeface="돋움체"/>
+                <a:ea typeface="돋움체"/>
+              </a:rPr>
+              <a:t>}</a:t>
+            </a:r>
+            <a:endParaRPr lang="en-US" altLang="ko-KR" sz="1400">
+              <a:solidFill>
+                <a:srgbClr val="000000"/>
+              </a:solidFill>
+              <a:latin typeface="돋움체"/>
+              <a:ea typeface="돋움체"/>
+            </a:endParaRPr>
+          </a:p>
+          <a:p>
+            <a:pPr lvl="0">
+              <a:defRPr/>
+            </a:pPr>
+            <a:r>
+              <a:rPr lang="en-US" altLang="ko-KR" sz="1400">
+                <a:solidFill>
+                  <a:srgbClr val="000000"/>
+                </a:solidFill>
+                <a:latin typeface="돋움체"/>
+                <a:ea typeface="돋움체"/>
+              </a:rPr>
+              <a:t>}</a:t>
+            </a:r>
+            <a:endParaRPr lang="en-US" altLang="ko-KR" sz="1400">
+              <a:solidFill>
+                <a:srgbClr val="000000"/>
+              </a:solidFill>
+              <a:latin typeface="돋움체"/>
+              <a:ea typeface="돋움체"/>
+            </a:endParaRPr>
+          </a:p>
+        </p:txBody>
+      </p:sp>
+      <p:sp>
+        <p:nvSpPr>
+          <p:cNvPr id="8" name="TextBox 4"/>
+          <p:cNvSpPr txBox="1"/>
+          <p:nvPr/>
+        </p:nvSpPr>
+        <p:spPr>
+          <a:xfrm>
+            <a:off x="6088282" y="3429000"/>
+            <a:ext cx="6103717" cy="3284220"/>
+          </a:xfrm>
+          <a:prstGeom prst="rect">
+            <a:avLst/>
+          </a:prstGeom>
+          <a:noFill/>
+        </p:spPr>
+        <p:txBody>
+          <a:bodyPr wrap="square">
+            <a:spAutoFit/>
+          </a:bodyPr>
+          <a:p>
+            <a:pPr marL="0" lvl="0" indent="0" algn="l" defTabSz="914400" rtl="0" eaLnBrk="1" latinLnBrk="1" hangingPunct="1">
+              <a:lnSpc>
+                <a:spcPct val="100000"/>
+              </a:lnSpc>
+              <a:spcBef>
+                <a:spcPct val="0"/>
+              </a:spcBef>
+              <a:spcAft>
+                <a:spcPts val="0"/>
+              </a:spcAft>
+              <a:buNone/>
+              <a:defRPr/>
+            </a:pPr>
+            <a:r>
+              <a:rPr xmlns:mc="http://schemas.openxmlformats.org/markup-compatibility/2006" xmlns:hp="http://schemas.haansoft.com/office/presentation/8.0" kumimoji="0" lang="en-US" altLang="ko-KR" sz="1400" b="0" i="0" u="none" strike="noStrike" kern="1200" cap="none" spc="0" normalizeH="0" baseline="0" mc:Ignorable="hp" hp:hslEmbossed="0">
+                <a:solidFill>
+                  <a:srgbClr val="0000ff"/>
+                </a:solidFill>
+                <a:latin typeface="돋움체"/>
+                <a:ea typeface="돋움체"/>
+              </a:rPr>
+              <a:t>namespace</a:t>
+            </a:r>
+            <a:r>
+              <a:rPr xmlns:mc="http://schemas.openxmlformats.org/markup-compatibility/2006" xmlns:hp="http://schemas.haansoft.com/office/presentation/8.0" kumimoji="0" lang="en-US" altLang="ko-KR" sz="1400" b="0" i="0" u="none" strike="noStrike" kern="1200" cap="none" spc="0" normalizeH="0" baseline="0" mc:Ignorable="hp" hp:hslEmbossed="0">
+                <a:solidFill>
+                  <a:srgbClr val="000000"/>
+                </a:solidFill>
+                <a:latin typeface="돋움체"/>
+                <a:ea typeface="돋움체"/>
+              </a:rPr>
+              <a:t> _0517winform</a:t>
+            </a:r>
+            <a:endParaRPr xmlns:mc="http://schemas.openxmlformats.org/markup-compatibility/2006" xmlns:hp="http://schemas.haansoft.com/office/presentation/8.0" kumimoji="0" lang="en-US" altLang="ko-KR" sz="1400" b="0" i="0" u="none" strike="noStrike" kern="1200" cap="none" spc="0" normalizeH="0" baseline="0" mc:Ignorable="hp" hp:hslEmbossed="0">
+              <a:solidFill>
+                <a:srgbClr val="000000"/>
+              </a:solidFill>
+              <a:latin typeface="돋움체"/>
+              <a:ea typeface="돋움체"/>
+            </a:endParaRPr>
+          </a:p>
+          <a:p>
+            <a:pPr marL="0" lvl="0" indent="0" algn="l" defTabSz="914400" rtl="0" eaLnBrk="1" latinLnBrk="1" hangingPunct="1">
+              <a:lnSpc>
+                <a:spcPct val="100000"/>
+              </a:lnSpc>
+              <a:spcBef>
+                <a:spcPct val="0"/>
+              </a:spcBef>
+              <a:spcAft>
+                <a:spcPts val="0"/>
+              </a:spcAft>
+              <a:buNone/>
+              <a:defRPr/>
+            </a:pPr>
+            <a:r>
+              <a:rPr xmlns:mc="http://schemas.openxmlformats.org/markup-compatibility/2006" xmlns:hp="http://schemas.haansoft.com/office/presentation/8.0" kumimoji="0" lang="en-US" altLang="ko-KR" sz="1400" b="0" i="0" u="none" strike="noStrike" kern="1200" cap="none" spc="0" normalizeH="0" baseline="0" mc:Ignorable="hp" hp:hslEmbossed="0">
+                <a:solidFill>
+                  <a:srgbClr val="000000"/>
+                </a:solidFill>
+                <a:latin typeface="돋움체"/>
+                <a:ea typeface="돋움체"/>
+              </a:rPr>
+              <a:t>{</a:t>
+            </a:r>
+            <a:endParaRPr xmlns:mc="http://schemas.openxmlformats.org/markup-compatibility/2006" xmlns:hp="http://schemas.haansoft.com/office/presentation/8.0" kumimoji="0" lang="en-US" altLang="ko-KR" sz="1400" b="0" i="0" u="none" strike="noStrike" kern="1200" cap="none" spc="0" normalizeH="0" baseline="0" mc:Ignorable="hp" hp:hslEmbossed="0">
+              <a:solidFill>
+                <a:srgbClr val="000000"/>
+              </a:solidFill>
+              <a:latin typeface="돋움체"/>
+              <a:ea typeface="돋움체"/>
+            </a:endParaRPr>
+          </a:p>
+          <a:p>
+            <a:pPr marL="0" lvl="0" indent="0" algn="l" defTabSz="914400" rtl="0" eaLnBrk="1" latinLnBrk="1" hangingPunct="1">
+              <a:lnSpc>
+                <a:spcPct val="100000"/>
+              </a:lnSpc>
+              <a:spcBef>
+                <a:spcPct val="0"/>
+              </a:spcBef>
+              <a:spcAft>
+                <a:spcPts val="0"/>
+              </a:spcAft>
+              <a:buNone/>
+              <a:defRPr/>
+            </a:pPr>
+            <a:r>
+              <a:rPr xmlns:mc="http://schemas.openxmlformats.org/markup-compatibility/2006" xmlns:hp="http://schemas.haansoft.com/office/presentation/8.0" kumimoji="0" lang="en-US" altLang="ko-KR" sz="1400" b="0" i="0" u="none" strike="noStrike" kern="1200" cap="none" spc="0" normalizeH="0" baseline="0" mc:Ignorable="hp" hp:hslEmbossed="0">
+                <a:solidFill>
+                  <a:srgbClr val="000000"/>
+                </a:solidFill>
+                <a:latin typeface="돋움체"/>
+                <a:ea typeface="돋움체"/>
+              </a:rPr>
+              <a:t>    </a:t>
+            </a:r>
+            <a:r>
+              <a:rPr xmlns:mc="http://schemas.openxmlformats.org/markup-compatibility/2006" xmlns:hp="http://schemas.haansoft.com/office/presentation/8.0" kumimoji="0" lang="en-US" altLang="ko-KR" sz="1400" b="0" i="0" u="none" strike="noStrike" kern="1200" cap="none" spc="0" normalizeH="0" baseline="0" mc:Ignorable="hp" hp:hslEmbossed="0">
+                <a:solidFill>
+                  <a:srgbClr val="0000ff"/>
+                </a:solidFill>
+                <a:latin typeface="돋움체"/>
+                <a:ea typeface="돋움체"/>
+              </a:rPr>
+              <a:t>public</a:t>
+            </a:r>
+            <a:r>
+              <a:rPr xmlns:mc="http://schemas.openxmlformats.org/markup-compatibility/2006" xmlns:hp="http://schemas.haansoft.com/office/presentation/8.0" kumimoji="0" lang="en-US" altLang="ko-KR" sz="1400" b="0" i="0" u="none" strike="noStrike" kern="1200" cap="none" spc="0" normalizeH="0" baseline="0" mc:Ignorable="hp" hp:hslEmbossed="0">
+                <a:solidFill>
+                  <a:srgbClr val="000000"/>
+                </a:solidFill>
+                <a:latin typeface="돋움체"/>
+                <a:ea typeface="돋움체"/>
+              </a:rPr>
+              <a:t> </a:t>
+            </a:r>
+            <a:r>
+              <a:rPr xmlns:mc="http://schemas.openxmlformats.org/markup-compatibility/2006" xmlns:hp="http://schemas.haansoft.com/office/presentation/8.0" kumimoji="0" lang="en-US" altLang="ko-KR" sz="1400" b="0" i="0" u="none" strike="noStrike" kern="1200" cap="none" spc="0" normalizeH="0" baseline="0" mc:Ignorable="hp" hp:hslEmbossed="0">
+                <a:solidFill>
+                  <a:srgbClr val="0000ff"/>
+                </a:solidFill>
+                <a:latin typeface="돋움체"/>
+                <a:ea typeface="돋움체"/>
+              </a:rPr>
+              <a:t>partial</a:t>
+            </a:r>
+            <a:r>
+              <a:rPr xmlns:mc="http://schemas.openxmlformats.org/markup-compatibility/2006" xmlns:hp="http://schemas.haansoft.com/office/presentation/8.0" kumimoji="0" lang="en-US" altLang="ko-KR" sz="1400" b="0" i="0" u="none" strike="noStrike" kern="1200" cap="none" spc="0" normalizeH="0" baseline="0" mc:Ignorable="hp" hp:hslEmbossed="0">
+                <a:solidFill>
+                  <a:srgbClr val="000000"/>
+                </a:solidFill>
+                <a:latin typeface="돋움체"/>
+                <a:ea typeface="돋움체"/>
+              </a:rPr>
+              <a:t> </a:t>
+            </a:r>
+            <a:r>
+              <a:rPr xmlns:mc="http://schemas.openxmlformats.org/markup-compatibility/2006" xmlns:hp="http://schemas.haansoft.com/office/presentation/8.0" kumimoji="0" lang="en-US" altLang="ko-KR" sz="1400" b="0" i="0" u="none" strike="noStrike" kern="1200" cap="none" spc="0" normalizeH="0" baseline="0" mc:Ignorable="hp" hp:hslEmbossed="0">
+                <a:solidFill>
+                  <a:srgbClr val="0000ff"/>
+                </a:solidFill>
+                <a:latin typeface="돋움체"/>
+                <a:ea typeface="돋움체"/>
+              </a:rPr>
+              <a:t>class</a:t>
+            </a:r>
+            <a:r>
+              <a:rPr xmlns:mc="http://schemas.openxmlformats.org/markup-compatibility/2006" xmlns:hp="http://schemas.haansoft.com/office/presentation/8.0" kumimoji="0" lang="en-US" altLang="ko-KR" sz="1400" b="0" i="0" u="none" strike="noStrike" kern="1200" cap="none" spc="0" normalizeH="0" baseline="0" mc:Ignorable="hp" hp:hslEmbossed="0">
+                <a:solidFill>
+                  <a:srgbClr val="000000"/>
+                </a:solidFill>
+                <a:latin typeface="돋움체"/>
+                <a:ea typeface="돋움체"/>
+              </a:rPr>
+              <a:t> </a:t>
+            </a:r>
+            <a:r>
+              <a:rPr xmlns:mc="http://schemas.openxmlformats.org/markup-compatibility/2006" xmlns:hp="http://schemas.haansoft.com/office/presentation/8.0" kumimoji="0" lang="en-US" altLang="ko-KR" sz="1400" b="0" i="0" u="none" strike="noStrike" kern="1200" cap="none" spc="0" normalizeH="0" baseline="0" mc:Ignorable="hp" hp:hslEmbossed="0">
+                <a:solidFill>
+                  <a:srgbClr val="2b91af"/>
+                </a:solidFill>
+                <a:latin typeface="돋움체"/>
+                <a:ea typeface="돋움체"/>
+              </a:rPr>
+              <a:t>Form2</a:t>
+            </a:r>
+            <a:r>
+              <a:rPr xmlns:mc="http://schemas.openxmlformats.org/markup-compatibility/2006" xmlns:hp="http://schemas.haansoft.com/office/presentation/8.0" kumimoji="0" lang="en-US" altLang="ko-KR" sz="1400" b="0" i="0" u="none" strike="noStrike" kern="1200" cap="none" spc="0" normalizeH="0" baseline="0" mc:Ignorable="hp" hp:hslEmbossed="0">
+                <a:solidFill>
+                  <a:srgbClr val="000000"/>
+                </a:solidFill>
+                <a:latin typeface="돋움체"/>
+                <a:ea typeface="돋움체"/>
+              </a:rPr>
+              <a:t> : Form</a:t>
+            </a:r>
+            <a:endParaRPr xmlns:mc="http://schemas.openxmlformats.org/markup-compatibility/2006" xmlns:hp="http://schemas.haansoft.com/office/presentation/8.0" kumimoji="0" lang="en-US" altLang="ko-KR" sz="1400" b="0" i="0" u="none" strike="noStrike" kern="1200" cap="none" spc="0" normalizeH="0" baseline="0" mc:Ignorable="hp" hp:hslEmbossed="0">
+              <a:solidFill>
+                <a:srgbClr val="000000"/>
+              </a:solidFill>
+              <a:latin typeface="돋움체"/>
+              <a:ea typeface="돋움체"/>
+            </a:endParaRPr>
+          </a:p>
+          <a:p>
+            <a:pPr marL="0" lvl="0" indent="0" algn="l" defTabSz="914400" rtl="0" eaLnBrk="1" latinLnBrk="1" hangingPunct="1">
+              <a:lnSpc>
+                <a:spcPct val="100000"/>
+              </a:lnSpc>
+              <a:spcBef>
+                <a:spcPct val="0"/>
+              </a:spcBef>
+              <a:spcAft>
+                <a:spcPts val="0"/>
+              </a:spcAft>
+              <a:buNone/>
+              <a:defRPr/>
+            </a:pPr>
+            <a:r>
+              <a:rPr xmlns:mc="http://schemas.openxmlformats.org/markup-compatibility/2006" xmlns:hp="http://schemas.haansoft.com/office/presentation/8.0" kumimoji="0" lang="ko-KR" altLang="en-US" sz="1400" b="0" i="0" u="none" strike="noStrike" kern="1200" cap="none" spc="0" normalizeH="0" baseline="0" mc:Ignorable="hp" hp:hslEmbossed="0">
+                <a:solidFill>
+                  <a:srgbClr val="000000"/>
+                </a:solidFill>
+                <a:latin typeface="돋움체"/>
+                <a:ea typeface="돋움체"/>
+              </a:rPr>
+              <a:t>    </a:t>
+            </a:r>
+            <a:r>
+              <a:rPr xmlns:mc="http://schemas.openxmlformats.org/markup-compatibility/2006" xmlns:hp="http://schemas.haansoft.com/office/presentation/8.0" kumimoji="0" lang="en-US" altLang="ko-KR" sz="1400" b="0" i="0" u="none" strike="noStrike" kern="1200" cap="none" spc="0" normalizeH="0" baseline="0" mc:Ignorable="hp" hp:hslEmbossed="0">
+                <a:solidFill>
+                  <a:srgbClr val="000000"/>
+                </a:solidFill>
+                <a:latin typeface="돋움체"/>
+                <a:ea typeface="돋움체"/>
+              </a:rPr>
+              <a:t>{</a:t>
+            </a:r>
+            <a:endParaRPr xmlns:mc="http://schemas.openxmlformats.org/markup-compatibility/2006" xmlns:hp="http://schemas.haansoft.com/office/presentation/8.0" kumimoji="0" lang="en-US" altLang="ko-KR" sz="1400" b="0" i="0" u="none" strike="noStrike" kern="1200" cap="none" spc="0" normalizeH="0" baseline="0" mc:Ignorable="hp" hp:hslEmbossed="0">
+              <a:solidFill>
+                <a:srgbClr val="000000"/>
+              </a:solidFill>
+              <a:latin typeface="돋움체"/>
+              <a:ea typeface="돋움체"/>
+            </a:endParaRPr>
+          </a:p>
+          <a:p>
+            <a:pPr marL="0" lvl="0" indent="0" algn="l" defTabSz="914400" rtl="0" eaLnBrk="1" latinLnBrk="1" hangingPunct="1">
+              <a:lnSpc>
+                <a:spcPct val="100000"/>
+              </a:lnSpc>
+              <a:spcBef>
+                <a:spcPct val="0"/>
+              </a:spcBef>
+              <a:spcAft>
+                <a:spcPts val="0"/>
+              </a:spcAft>
+              <a:buNone/>
+              <a:defRPr/>
+            </a:pPr>
+            <a:r>
+              <a:rPr xmlns:mc="http://schemas.openxmlformats.org/markup-compatibility/2006" xmlns:hp="http://schemas.haansoft.com/office/presentation/8.0" kumimoji="0" lang="en-US" altLang="ko-KR" sz="1400" b="0" i="0" u="none" strike="noStrike" kern="1200" cap="none" spc="0" normalizeH="0" baseline="0" mc:Ignorable="hp" hp:hslEmbossed="0">
+                <a:solidFill>
+                  <a:srgbClr val="000000"/>
+                </a:solidFill>
+                <a:latin typeface="돋움체"/>
+                <a:ea typeface="돋움체"/>
+              </a:rPr>
+              <a:t>        </a:t>
+            </a:r>
+            <a:r>
+              <a:rPr xmlns:mc="http://schemas.openxmlformats.org/markup-compatibility/2006" xmlns:hp="http://schemas.haansoft.com/office/presentation/8.0" kumimoji="0" lang="en-US" altLang="ko-KR" sz="1400" b="0" i="0" u="none" strike="noStrike" kern="1200" cap="none" spc="0" normalizeH="0" baseline="0" mc:Ignorable="hp" hp:hslEmbossed="0">
+                <a:solidFill>
+                  <a:srgbClr val="0000ff"/>
+                </a:solidFill>
+                <a:latin typeface="돋움체"/>
+                <a:ea typeface="돋움체"/>
+              </a:rPr>
+              <a:t>public</a:t>
+            </a:r>
+            <a:r>
+              <a:rPr xmlns:mc="http://schemas.openxmlformats.org/markup-compatibility/2006" xmlns:hp="http://schemas.haansoft.com/office/presentation/8.0" kumimoji="0" lang="en-US" altLang="ko-KR" sz="1400" b="0" i="0" u="none" strike="noStrike" kern="1200" cap="none" spc="0" normalizeH="0" baseline="0" mc:Ignorable="hp" hp:hslEmbossed="0">
+                <a:solidFill>
+                  <a:srgbClr val="000000"/>
+                </a:solidFill>
+                <a:latin typeface="돋움체"/>
+                <a:ea typeface="돋움체"/>
+              </a:rPr>
+              <a:t> </a:t>
+            </a:r>
+            <a:r>
+              <a:rPr xmlns:mc="http://schemas.openxmlformats.org/markup-compatibility/2006" xmlns:hp="http://schemas.haansoft.com/office/presentation/8.0" kumimoji="0" lang="en-US" altLang="ko-KR" sz="1400" b="0" i="0" u="none" strike="noStrike" kern="1200" cap="none" spc="0" normalizeH="0" baseline="0" mc:Ignorable="hp" hp:hslEmbossed="0">
+                <a:solidFill>
+                  <a:srgbClr val="2b91af"/>
+                </a:solidFill>
+                <a:latin typeface="돋움체"/>
+                <a:ea typeface="돋움체"/>
+              </a:rPr>
+              <a:t>Form2</a:t>
+            </a:r>
+            <a:r>
+              <a:rPr xmlns:mc="http://schemas.openxmlformats.org/markup-compatibility/2006" xmlns:hp="http://schemas.haansoft.com/office/presentation/8.0" kumimoji="0" lang="en-US" altLang="ko-KR" sz="1400" b="0" i="0" u="none" strike="noStrike" kern="1200" cap="none" spc="0" normalizeH="0" baseline="0" mc:Ignorable="hp" hp:hslEmbossed="0">
+                <a:solidFill>
+                  <a:srgbClr val="000000"/>
+                </a:solidFill>
+                <a:latin typeface="돋움체"/>
+                <a:ea typeface="돋움체"/>
+              </a:rPr>
+              <a:t>()</a:t>
+            </a:r>
+            <a:endParaRPr xmlns:mc="http://schemas.openxmlformats.org/markup-compatibility/2006" xmlns:hp="http://schemas.haansoft.com/office/presentation/8.0" kumimoji="0" lang="en-US" altLang="ko-KR" sz="1400" b="0" i="0" u="none" strike="noStrike" kern="1200" cap="none" spc="0" normalizeH="0" baseline="0" mc:Ignorable="hp" hp:hslEmbossed="0">
+              <a:solidFill>
+                <a:srgbClr val="000000"/>
+              </a:solidFill>
+              <a:latin typeface="돋움체"/>
+              <a:ea typeface="돋움체"/>
+            </a:endParaRPr>
+          </a:p>
+          <a:p>
+            <a:pPr marL="0" lvl="0" indent="0" algn="l" defTabSz="914400" rtl="0" eaLnBrk="1" latinLnBrk="1" hangingPunct="1">
+              <a:lnSpc>
+                <a:spcPct val="100000"/>
+              </a:lnSpc>
+              <a:spcBef>
+                <a:spcPct val="0"/>
+              </a:spcBef>
+              <a:spcAft>
+                <a:spcPts val="0"/>
+              </a:spcAft>
+              <a:buNone/>
+              <a:defRPr/>
+            </a:pPr>
+            <a:r>
+              <a:rPr xmlns:mc="http://schemas.openxmlformats.org/markup-compatibility/2006" xmlns:hp="http://schemas.haansoft.com/office/presentation/8.0" kumimoji="0" lang="ko-KR" altLang="en-US" sz="1400" b="0" i="0" u="none" strike="noStrike" kern="1200" cap="none" spc="0" normalizeH="0" baseline="0" mc:Ignorable="hp" hp:hslEmbossed="0">
+                <a:solidFill>
+                  <a:srgbClr val="000000"/>
+                </a:solidFill>
+                <a:latin typeface="돋움체"/>
+                <a:ea typeface="돋움체"/>
+              </a:rPr>
+              <a:t>        </a:t>
+            </a:r>
+            <a:r>
+              <a:rPr xmlns:mc="http://schemas.openxmlformats.org/markup-compatibility/2006" xmlns:hp="http://schemas.haansoft.com/office/presentation/8.0" kumimoji="0" lang="en-US" altLang="ko-KR" sz="1400" b="0" i="0" u="none" strike="noStrike" kern="1200" cap="none" spc="0" normalizeH="0" baseline="0" mc:Ignorable="hp" hp:hslEmbossed="0">
+                <a:solidFill>
+                  <a:srgbClr val="000000"/>
+                </a:solidFill>
+                <a:latin typeface="돋움체"/>
+                <a:ea typeface="돋움체"/>
+              </a:rPr>
+              <a:t>{</a:t>
+            </a:r>
+            <a:endParaRPr xmlns:mc="http://schemas.openxmlformats.org/markup-compatibility/2006" xmlns:hp="http://schemas.haansoft.com/office/presentation/8.0" kumimoji="0" lang="en-US" altLang="ko-KR" sz="1400" b="0" i="0" u="none" strike="noStrike" kern="1200" cap="none" spc="0" normalizeH="0" baseline="0" mc:Ignorable="hp" hp:hslEmbossed="0">
+              <a:solidFill>
+                <a:srgbClr val="000000"/>
+              </a:solidFill>
+              <a:latin typeface="돋움체"/>
+              <a:ea typeface="돋움체"/>
+            </a:endParaRPr>
+          </a:p>
+          <a:p>
+            <a:pPr marL="0" lvl="0" indent="0" algn="l" defTabSz="914400" rtl="0" eaLnBrk="1" latinLnBrk="1" hangingPunct="1">
+              <a:lnSpc>
+                <a:spcPct val="100000"/>
+              </a:lnSpc>
+              <a:spcBef>
+                <a:spcPct val="0"/>
+              </a:spcBef>
+              <a:spcAft>
+                <a:spcPts val="0"/>
+              </a:spcAft>
+              <a:buNone/>
+              <a:defRPr/>
+            </a:pPr>
+            <a:r>
+              <a:rPr xmlns:mc="http://schemas.openxmlformats.org/markup-compatibility/2006" xmlns:hp="http://schemas.haansoft.com/office/presentation/8.0" kumimoji="0" lang="en-US" altLang="ko-KR" sz="1400" b="0" i="0" u="none" strike="noStrike" kern="1200" cap="none" spc="0" normalizeH="0" baseline="0" mc:Ignorable="hp" hp:hslEmbossed="0">
+                <a:solidFill>
+                  <a:srgbClr val="000000"/>
+                </a:solidFill>
+                <a:latin typeface="돋움체"/>
+                <a:ea typeface="돋움체"/>
+              </a:rPr>
+              <a:t>            InitializeComponent();</a:t>
+            </a:r>
+            <a:endParaRPr xmlns:mc="http://schemas.openxmlformats.org/markup-compatibility/2006" xmlns:hp="http://schemas.haansoft.com/office/presentation/8.0" kumimoji="0" lang="en-US" altLang="ko-KR" sz="1400" b="0" i="0" u="none" strike="noStrike" kern="1200" cap="none" spc="0" normalizeH="0" baseline="0" mc:Ignorable="hp" hp:hslEmbossed="0">
+              <a:solidFill>
+                <a:srgbClr val="000000"/>
+              </a:solidFill>
+              <a:latin typeface="돋움체"/>
+              <a:ea typeface="돋움체"/>
+            </a:endParaRPr>
+          </a:p>
+          <a:p>
+            <a:pPr marL="0" lvl="0" indent="0" algn="l" defTabSz="914400" rtl="0" eaLnBrk="1" latinLnBrk="1" hangingPunct="1">
+              <a:lnSpc>
+                <a:spcPct val="100000"/>
+              </a:lnSpc>
+              <a:spcBef>
+                <a:spcPct val="0"/>
+              </a:spcBef>
+              <a:spcAft>
+                <a:spcPts val="0"/>
+              </a:spcAft>
+              <a:buNone/>
+              <a:defRPr/>
+            </a:pPr>
+            <a:r>
+              <a:rPr xmlns:mc="http://schemas.openxmlformats.org/markup-compatibility/2006" xmlns:hp="http://schemas.haansoft.com/office/presentation/8.0" kumimoji="0" lang="ko-KR" altLang="en-US" sz="1400" b="0" i="0" u="none" strike="noStrike" kern="1200" cap="none" spc="0" normalizeH="0" baseline="0" mc:Ignorable="hp" hp:hslEmbossed="0">
+                <a:solidFill>
+                  <a:srgbClr val="000000"/>
+                </a:solidFill>
+                <a:latin typeface="돋움체"/>
+                <a:ea typeface="돋움체"/>
+              </a:rPr>
+              <a:t>        </a:t>
+            </a:r>
+            <a:r>
+              <a:rPr xmlns:mc="http://schemas.openxmlformats.org/markup-compatibility/2006" xmlns:hp="http://schemas.haansoft.com/office/presentation/8.0" kumimoji="0" lang="en-US" altLang="ko-KR" sz="1400" b="0" i="0" u="none" strike="noStrike" kern="1200" cap="none" spc="0" normalizeH="0" baseline="0" mc:Ignorable="hp" hp:hslEmbossed="0">
+                <a:solidFill>
+                  <a:srgbClr val="000000"/>
+                </a:solidFill>
+                <a:latin typeface="돋움체"/>
+                <a:ea typeface="돋움체"/>
+              </a:rPr>
+              <a:t>}</a:t>
+            </a:r>
+            <a:endParaRPr xmlns:mc="http://schemas.openxmlformats.org/markup-compatibility/2006" xmlns:hp="http://schemas.haansoft.com/office/presentation/8.0" kumimoji="0" lang="en-US" altLang="ko-KR" sz="1400" b="0" i="0" u="none" strike="noStrike" kern="1200" cap="none" spc="0" normalizeH="0" baseline="0" mc:Ignorable="hp" hp:hslEmbossed="0">
+              <a:solidFill>
+                <a:srgbClr val="000000"/>
+              </a:solidFill>
+              <a:latin typeface="돋움체"/>
+              <a:ea typeface="돋움체"/>
+            </a:endParaRPr>
+          </a:p>
+          <a:p>
+            <a:pPr marL="0" lvl="0" indent="0" algn="l" defTabSz="914400" rtl="0" eaLnBrk="1" latinLnBrk="1" hangingPunct="1">
+              <a:lnSpc>
+                <a:spcPct val="100000"/>
+              </a:lnSpc>
+              <a:spcBef>
+                <a:spcPct val="0"/>
+              </a:spcBef>
+              <a:spcAft>
+                <a:spcPts val="0"/>
+              </a:spcAft>
+              <a:buNone/>
+              <a:defRPr/>
+            </a:pPr>
+            <a:endParaRPr xmlns:mc="http://schemas.openxmlformats.org/markup-compatibility/2006" xmlns:hp="http://schemas.haansoft.com/office/presentation/8.0" kumimoji="0" lang="ko-KR" altLang="en-US" sz="1400" b="0" i="0" u="none" strike="noStrike" kern="1200" cap="none" spc="0" normalizeH="0" baseline="0" mc:Ignorable="hp" hp:hslEmbossed="0">
+              <a:solidFill>
+                <a:srgbClr val="000000"/>
+              </a:solidFill>
+              <a:latin typeface="돋움체"/>
+              <a:ea typeface="돋움체"/>
+            </a:endParaRPr>
+          </a:p>
+          <a:p>
+            <a:pPr marL="0" lvl="0" indent="0" algn="l" defTabSz="914400" rtl="0" eaLnBrk="1" latinLnBrk="1" hangingPunct="1">
+              <a:lnSpc>
+                <a:spcPct val="100000"/>
+              </a:lnSpc>
+              <a:spcBef>
+                <a:spcPct val="0"/>
+              </a:spcBef>
+              <a:spcAft>
+                <a:spcPts val="0"/>
+              </a:spcAft>
+              <a:buNone/>
+              <a:defRPr/>
+            </a:pPr>
+            <a:r>
+              <a:rPr xmlns:mc="http://schemas.openxmlformats.org/markup-compatibility/2006" xmlns:hp="http://schemas.haansoft.com/office/presentation/8.0" kumimoji="0" lang="en-US" altLang="ko-KR" sz="1400" b="0" i="0" u="none" strike="noStrike" kern="1200" cap="none" spc="0" normalizeH="0" baseline="0" mc:Ignorable="hp" hp:hslEmbossed="0">
+                <a:solidFill>
+                  <a:srgbClr val="000000"/>
+                </a:solidFill>
+                <a:latin typeface="돋움체"/>
+                <a:ea typeface="돋움체"/>
+              </a:rPr>
+              <a:t>        </a:t>
+            </a:r>
+            <a:r>
+              <a:rPr xmlns:mc="http://schemas.openxmlformats.org/markup-compatibility/2006" xmlns:hp="http://schemas.haansoft.com/office/presentation/8.0" kumimoji="0" lang="en-US" altLang="ko-KR" sz="1400" b="0" i="0" u="none" strike="noStrike" kern="1200" cap="none" spc="0" normalizeH="0" baseline="0" mc:Ignorable="hp" hp:hslEmbossed="0">
+                <a:solidFill>
+                  <a:srgbClr val="0000ff"/>
+                </a:solidFill>
+                <a:latin typeface="돋움체"/>
+                <a:ea typeface="돋움체"/>
+              </a:rPr>
+              <a:t>private</a:t>
+            </a:r>
+            <a:r>
+              <a:rPr xmlns:mc="http://schemas.openxmlformats.org/markup-compatibility/2006" xmlns:hp="http://schemas.haansoft.com/office/presentation/8.0" kumimoji="0" lang="en-US" altLang="ko-KR" sz="1400" b="0" i="0" u="none" strike="noStrike" kern="1200" cap="none" spc="0" normalizeH="0" baseline="0" mc:Ignorable="hp" hp:hslEmbossed="0">
+                <a:solidFill>
+                  <a:srgbClr val="000000"/>
+                </a:solidFill>
+                <a:latin typeface="돋움체"/>
+                <a:ea typeface="돋움체"/>
+              </a:rPr>
+              <a:t> </a:t>
+            </a:r>
+            <a:r>
+              <a:rPr xmlns:mc="http://schemas.openxmlformats.org/markup-compatibility/2006" xmlns:hp="http://schemas.haansoft.com/office/presentation/8.0" kumimoji="0" lang="en-US" altLang="ko-KR" sz="1400" b="0" i="0" u="none" strike="noStrike" kern="1200" cap="none" spc="0" normalizeH="0" baseline="0" mc:Ignorable="hp" hp:hslEmbossed="0">
+                <a:solidFill>
+                  <a:srgbClr val="0000ff"/>
+                </a:solidFill>
+                <a:latin typeface="돋움체"/>
+                <a:ea typeface="돋움체"/>
+              </a:rPr>
+              <a:t>void</a:t>
+            </a:r>
+            <a:r>
+              <a:rPr xmlns:mc="http://schemas.openxmlformats.org/markup-compatibility/2006" xmlns:hp="http://schemas.haansoft.com/office/presentation/8.0" kumimoji="0" lang="en-US" altLang="ko-KR" sz="1400" b="0" i="0" u="none" strike="noStrike" kern="1200" cap="none" spc="0" normalizeH="0" baseline="0" mc:Ignorable="hp" hp:hslEmbossed="0">
+                <a:solidFill>
+                  <a:srgbClr val="000000"/>
+                </a:solidFill>
+                <a:latin typeface="돋움체"/>
+                <a:ea typeface="돋움체"/>
+              </a:rPr>
+              <a:t> close_button_Click(</a:t>
+            </a:r>
+            <a:r>
+              <a:rPr xmlns:mc="http://schemas.openxmlformats.org/markup-compatibility/2006" xmlns:hp="http://schemas.haansoft.com/office/presentation/8.0" kumimoji="0" lang="en-US" altLang="ko-KR" sz="1400" b="0" i="0" u="none" strike="noStrike" kern="1200" cap="none" spc="0" normalizeH="0" baseline="0" mc:Ignorable="hp" hp:hslEmbossed="0">
+                <a:solidFill>
+                  <a:srgbClr val="0000ff"/>
+                </a:solidFill>
+                <a:latin typeface="돋움체"/>
+                <a:ea typeface="돋움체"/>
+              </a:rPr>
+              <a:t>object</a:t>
+            </a:r>
+            <a:r>
+              <a:rPr xmlns:mc="http://schemas.openxmlformats.org/markup-compatibility/2006" xmlns:hp="http://schemas.haansoft.com/office/presentation/8.0" kumimoji="0" lang="en-US" altLang="ko-KR" sz="1400" b="0" i="0" u="none" strike="noStrike" kern="1200" cap="none" spc="0" normalizeH="0" baseline="0" mc:Ignorable="hp" hp:hslEmbossed="0">
+                <a:solidFill>
+                  <a:srgbClr val="000000"/>
+                </a:solidFill>
+                <a:latin typeface="돋움체"/>
+                <a:ea typeface="돋움체"/>
+              </a:rPr>
+              <a:t> sender, EventArgs e)</a:t>
+            </a:r>
+            <a:endParaRPr xmlns:mc="http://schemas.openxmlformats.org/markup-compatibility/2006" xmlns:hp="http://schemas.haansoft.com/office/presentation/8.0" kumimoji="0" lang="en-US" altLang="ko-KR" sz="1400" b="0" i="0" u="none" strike="noStrike" kern="1200" cap="none" spc="0" normalizeH="0" baseline="0" mc:Ignorable="hp" hp:hslEmbossed="0">
+              <a:solidFill>
+                <a:srgbClr val="000000"/>
+              </a:solidFill>
+              <a:latin typeface="돋움체"/>
+              <a:ea typeface="돋움체"/>
+            </a:endParaRPr>
+          </a:p>
+          <a:p>
+            <a:pPr marL="0" lvl="0" indent="0" algn="l" defTabSz="914400" rtl="0" eaLnBrk="1" latinLnBrk="1" hangingPunct="1">
+              <a:lnSpc>
+                <a:spcPct val="100000"/>
+              </a:lnSpc>
+              <a:spcBef>
+                <a:spcPct val="0"/>
+              </a:spcBef>
+              <a:spcAft>
+                <a:spcPts val="0"/>
+              </a:spcAft>
+              <a:buNone/>
+              <a:defRPr/>
+            </a:pPr>
+            <a:r>
+              <a:rPr xmlns:mc="http://schemas.openxmlformats.org/markup-compatibility/2006" xmlns:hp="http://schemas.haansoft.com/office/presentation/8.0" kumimoji="0" lang="ko-KR" altLang="en-US" sz="1400" b="0" i="0" u="none" strike="noStrike" kern="1200" cap="none" spc="0" normalizeH="0" baseline="0" mc:Ignorable="hp" hp:hslEmbossed="0">
+                <a:solidFill>
+                  <a:srgbClr val="000000"/>
+                </a:solidFill>
+                <a:latin typeface="돋움체"/>
+                <a:ea typeface="돋움체"/>
+              </a:rPr>
+              <a:t>        </a:t>
+            </a:r>
+            <a:r>
+              <a:rPr xmlns:mc="http://schemas.openxmlformats.org/markup-compatibility/2006" xmlns:hp="http://schemas.haansoft.com/office/presentation/8.0" kumimoji="0" lang="en-US" altLang="ko-KR" sz="1400" b="0" i="0" u="none" strike="noStrike" kern="1200" cap="none" spc="0" normalizeH="0" baseline="0" mc:Ignorable="hp" hp:hslEmbossed="0">
+                <a:solidFill>
+                  <a:srgbClr val="000000"/>
+                </a:solidFill>
+                <a:latin typeface="돋움체"/>
+                <a:ea typeface="돋움체"/>
+              </a:rPr>
+              <a:t>{</a:t>
+            </a:r>
+            <a:endParaRPr xmlns:mc="http://schemas.openxmlformats.org/markup-compatibility/2006" xmlns:hp="http://schemas.haansoft.com/office/presentation/8.0" kumimoji="0" lang="en-US" altLang="ko-KR" sz="1400" b="0" i="0" u="none" strike="noStrike" kern="1200" cap="none" spc="0" normalizeH="0" baseline="0" mc:Ignorable="hp" hp:hslEmbossed="0">
+              <a:solidFill>
+                <a:srgbClr val="000000"/>
+              </a:solidFill>
+              <a:latin typeface="돋움체"/>
+              <a:ea typeface="돋움체"/>
+            </a:endParaRPr>
+          </a:p>
+          <a:p>
+            <a:pPr marL="0" lvl="0" indent="0" algn="l" defTabSz="914400" rtl="0" eaLnBrk="1" latinLnBrk="1" hangingPunct="1">
+              <a:lnSpc>
+                <a:spcPct val="100000"/>
+              </a:lnSpc>
+              <a:spcBef>
+                <a:spcPct val="0"/>
+              </a:spcBef>
+              <a:spcAft>
+                <a:spcPts val="0"/>
+              </a:spcAft>
+              <a:buNone/>
+              <a:defRPr/>
+            </a:pPr>
+            <a:r>
+              <a:rPr xmlns:mc="http://schemas.openxmlformats.org/markup-compatibility/2006" xmlns:hp="http://schemas.haansoft.com/office/presentation/8.0" kumimoji="0" lang="en-US" altLang="ko-KR" sz="1400" b="0" i="0" u="none" strike="noStrike" kern="1200" cap="none" spc="0" normalizeH="0" baseline="0" mc:Ignorable="hp" hp:hslEmbossed="0">
+                <a:solidFill>
+                  <a:srgbClr val="000000"/>
+                </a:solidFill>
+                <a:latin typeface="돋움체"/>
+                <a:ea typeface="돋움체"/>
+              </a:rPr>
+              <a:t>            Close();</a:t>
+            </a:r>
+            <a:endParaRPr xmlns:mc="http://schemas.openxmlformats.org/markup-compatibility/2006" xmlns:hp="http://schemas.haansoft.com/office/presentation/8.0" kumimoji="0" lang="en-US" altLang="ko-KR" sz="1400" b="0" i="0" u="none" strike="noStrike" kern="1200" cap="none" spc="0" normalizeH="0" baseline="0" mc:Ignorable="hp" hp:hslEmbossed="0">
+              <a:solidFill>
+                <a:srgbClr val="000000"/>
+              </a:solidFill>
+              <a:latin typeface="돋움체"/>
+              <a:ea typeface="돋움체"/>
+            </a:endParaRPr>
+          </a:p>
+          <a:p>
+            <a:pPr marL="0" lvl="0" indent="0" algn="l" defTabSz="914400" rtl="0" eaLnBrk="1" latinLnBrk="1" hangingPunct="1">
+              <a:lnSpc>
+                <a:spcPct val="100000"/>
+              </a:lnSpc>
+              <a:spcBef>
+                <a:spcPct val="0"/>
+              </a:spcBef>
+              <a:spcAft>
+                <a:spcPts val="0"/>
+              </a:spcAft>
+              <a:buNone/>
+              <a:defRPr/>
+            </a:pPr>
+            <a:r>
+              <a:rPr xmlns:mc="http://schemas.openxmlformats.org/markup-compatibility/2006" xmlns:hp="http://schemas.haansoft.com/office/presentation/8.0" kumimoji="0" lang="ko-KR" altLang="en-US" sz="1400" b="0" i="0" u="none" strike="noStrike" kern="1200" cap="none" spc="0" normalizeH="0" baseline="0" mc:Ignorable="hp" hp:hslEmbossed="0">
+                <a:solidFill>
+                  <a:srgbClr val="000000"/>
+                </a:solidFill>
+                <a:latin typeface="돋움체"/>
+                <a:ea typeface="돋움체"/>
+              </a:rPr>
+              <a:t>        </a:t>
+            </a:r>
+            <a:r>
+              <a:rPr xmlns:mc="http://schemas.openxmlformats.org/markup-compatibility/2006" xmlns:hp="http://schemas.haansoft.com/office/presentation/8.0" kumimoji="0" lang="en-US" altLang="ko-KR" sz="1400" b="0" i="0" u="none" strike="noStrike" kern="1200" cap="none" spc="0" normalizeH="0" baseline="0" mc:Ignorable="hp" hp:hslEmbossed="0">
+                <a:solidFill>
+                  <a:srgbClr val="000000"/>
+                </a:solidFill>
+                <a:latin typeface="돋움체"/>
+                <a:ea typeface="돋움체"/>
+              </a:rPr>
+              <a:t>}</a:t>
+            </a:r>
+            <a:endParaRPr xmlns:mc="http://schemas.openxmlformats.org/markup-compatibility/2006" xmlns:hp="http://schemas.haansoft.com/office/presentation/8.0" kumimoji="0" lang="en-US" altLang="ko-KR" sz="1400" b="0" i="0" u="none" strike="noStrike" kern="1200" cap="none" spc="0" normalizeH="0" baseline="0" mc:Ignorable="hp" hp:hslEmbossed="0">
+              <a:solidFill>
+                <a:srgbClr val="000000"/>
+              </a:solidFill>
+              <a:latin typeface="돋움체"/>
+              <a:ea typeface="돋움체"/>
+            </a:endParaRPr>
+          </a:p>
+          <a:p>
+            <a:pPr marL="0" lvl="0" indent="0" algn="l" defTabSz="914400" rtl="0" eaLnBrk="1" latinLnBrk="1" hangingPunct="1">
+              <a:lnSpc>
+                <a:spcPct val="100000"/>
+              </a:lnSpc>
+              <a:spcBef>
+                <a:spcPct val="0"/>
+              </a:spcBef>
+              <a:spcAft>
+                <a:spcPts val="0"/>
+              </a:spcAft>
+              <a:buNone/>
+              <a:defRPr/>
+            </a:pPr>
+            <a:r>
+              <a:rPr xmlns:mc="http://schemas.openxmlformats.org/markup-compatibility/2006" xmlns:hp="http://schemas.haansoft.com/office/presentation/8.0" kumimoji="0" lang="ko-KR" altLang="en-US" sz="1400" b="0" i="0" u="none" strike="noStrike" kern="1200" cap="none" spc="0" normalizeH="0" baseline="0" mc:Ignorable="hp" hp:hslEmbossed="0">
+                <a:solidFill>
+                  <a:srgbClr val="000000"/>
+                </a:solidFill>
+                <a:latin typeface="돋움체"/>
+                <a:ea typeface="돋움체"/>
+              </a:rPr>
+              <a:t>    </a:t>
+            </a:r>
+            <a:r>
+              <a:rPr xmlns:mc="http://schemas.openxmlformats.org/markup-compatibility/2006" xmlns:hp="http://schemas.haansoft.com/office/presentation/8.0" kumimoji="0" lang="en-US" altLang="ko-KR" sz="1400" b="0" i="0" u="none" strike="noStrike" kern="1200" cap="none" spc="0" normalizeH="0" baseline="0" mc:Ignorable="hp" hp:hslEmbossed="0">
+                <a:solidFill>
+                  <a:srgbClr val="000000"/>
+                </a:solidFill>
+                <a:latin typeface="돋움체"/>
+                <a:ea typeface="돋움체"/>
+              </a:rPr>
+              <a:t>}</a:t>
+            </a:r>
+            <a:endParaRPr xmlns:mc="http://schemas.openxmlformats.org/markup-compatibility/2006" xmlns:hp="http://schemas.haansoft.com/office/presentation/8.0" kumimoji="0" lang="en-US" altLang="ko-KR" sz="1400" b="0" i="0" u="none" strike="noStrike" kern="1200" cap="none" spc="0" normalizeH="0" baseline="0" mc:Ignorable="hp" hp:hslEmbossed="0">
+              <a:solidFill>
+                <a:srgbClr val="000000"/>
+              </a:solidFill>
+              <a:latin typeface="돋움체"/>
+              <a:ea typeface="돋움체"/>
+            </a:endParaRPr>
+          </a:p>
+          <a:p>
+            <a:pPr marL="0" lvl="0" indent="0" algn="l" defTabSz="914400" rtl="0" eaLnBrk="1" latinLnBrk="1" hangingPunct="1">
+              <a:lnSpc>
+                <a:spcPct val="100000"/>
+              </a:lnSpc>
+              <a:spcBef>
+                <a:spcPct val="0"/>
+              </a:spcBef>
+              <a:spcAft>
+                <a:spcPts val="0"/>
+              </a:spcAft>
+              <a:buNone/>
+              <a:defRPr/>
+            </a:pPr>
+            <a:r>
+              <a:rPr xmlns:mc="http://schemas.openxmlformats.org/markup-compatibility/2006" xmlns:hp="http://schemas.haansoft.com/office/presentation/8.0" kumimoji="0" lang="en-US" altLang="ko-KR" sz="1400" b="0" i="0" u="none" strike="noStrike" kern="1200" cap="none" spc="0" normalizeH="0" baseline="0" mc:Ignorable="hp" hp:hslEmbossed="0">
+                <a:solidFill>
+                  <a:srgbClr val="000000"/>
+                </a:solidFill>
+                <a:latin typeface="돋움체"/>
+                <a:ea typeface="돋움체"/>
+              </a:rPr>
+              <a:t>}</a:t>
+            </a:r>
+            <a:endParaRPr xmlns:mc="http://schemas.openxmlformats.org/markup-compatibility/2006" xmlns:hp="http://schemas.haansoft.com/office/presentation/8.0" kumimoji="0" lang="ko-KR" altLang="en-US" sz="1400" b="0" i="0" u="none" strike="noStrike" kern="1200" cap="none" spc="0" normalizeH="0" baseline="0" mc:Ignorable="hp" hp:hslEmbossed="0">
+              <a:solidFill>
+                <a:srgbClr val="000000"/>
+              </a:solidFill>
+              <a:latin typeface="맑은 고딕"/>
+              <a:ea typeface="맑은 고딕"/>
+              <a:cs typeface="맑은 고딕"/>
+            </a:endParaRPr>
+          </a:p>
+        </p:txBody>
+      </p:sp>
+    </p:spTree>
+  </p:cSld>
+  <p:clrMapOvr>
+    <a:masterClrMapping/>
+  </p:clrMapOvr>
+  <mc:AlternateContent xmlns:mc="http://schemas.openxmlformats.org/markup-compatibility/2006">
+    <mc:Choice xmlns:p14="http://schemas.microsoft.com/office/powerpoint/2010/main" Requires="p14">
+      <p:transition xmlns:mc="http://schemas.openxmlformats.org/markup-compatibility/2006" xmlns:p14="http://schemas.microsoft.com/office/powerpoint/2010/main" mc:Ignorable="p14" p14:dur="500"/>
+    </mc:Choice>
+    <mc:Fallback>
+      <p:transition/>
+    </mc:Fallback>
+  </mc:AlternateContent>
+</p:sld>
+</file>
+
+<file path=ppt/slides/slide14.xml><?xml version="1.0" encoding="utf-8"?>
+<p:sld xmlns:r="http://schemas.openxmlformats.org/officeDocument/2006/relationships" xmlns:c="http://schemas.openxmlformats.org/drawingml/2006/chart" xmlns:a="http://schemas.openxmlformats.org/drawingml/2006/main" xmlns:dgm="http://schemas.openxmlformats.org/drawingml/2006/diagram" xmlns:dsp="http://schemas.microsoft.com/office/drawing/2008/diagram" xmlns:p="http://schemas.openxmlformats.org/presentationml/2006/main">
+  <p:cSld>
+    <p:spTree>
+      <p:nvGrpSpPr>
+        <p:cNvPr id="1" name=""/>
+        <p:cNvGrpSpPr/>
+        <p:nvPr/>
+      </p:nvGrpSpPr>
+      <p:grpSpPr>
+        <a:xfrm>
+          <a:off x="0" y="0"/>
+          <a:ext cx="0" cy="0"/>
+          <a:chOff x="0" y="0"/>
+          <a:chExt cx="0" cy="0"/>
+        </a:xfrm>
+      </p:grpSpPr>
+      <p:pic>
+        <p:nvPicPr>
+          <p:cNvPr id="8" name=""/>
+          <p:cNvPicPr>
+            <a:picLocks noChangeAspect="1"/>
+          </p:cNvPicPr>
+          <p:nvPr/>
+        </p:nvPicPr>
+        <p:blipFill rotWithShape="1">
+          <a:blip r:embed="rId2"/>
+          <a:stretch>
+            <a:fillRect/>
+          </a:stretch>
+        </p:blipFill>
+        <p:spPr>
+          <a:xfrm>
+            <a:off x="6920673" y="630427"/>
+            <a:ext cx="4427603" cy="2949195"/>
+          </a:xfrm>
+          <a:prstGeom prst="rect">
+            <a:avLst/>
+          </a:prstGeom>
+        </p:spPr>
+      </p:pic>
+      <p:sp>
+        <p:nvSpPr>
+          <p:cNvPr id="9" name=""/>
+          <p:cNvSpPr txBox="1"/>
+          <p:nvPr/>
+        </p:nvSpPr>
+        <p:spPr>
+          <a:xfrm>
+            <a:off x="485775" y="419100"/>
+            <a:ext cx="1901190" cy="445770"/>
+          </a:xfrm>
+          <a:prstGeom prst="rect">
+            <a:avLst/>
+          </a:prstGeom>
+        </p:spPr>
+        <p:txBody>
+          <a:bodyPr wrap="none">
+            <a:spAutoFit/>
+          </a:bodyPr>
+          <a:p>
+            <a:pPr>
+              <a:defRPr/>
+            </a:pPr>
+            <a:r>
+              <a:rPr lang="en-US" altLang="ko-KR" sz="2400"/>
+              <a:t>MessageBox</a:t>
+            </a:r>
+            <a:endParaRPr lang="en-US" altLang="ko-KR" sz="2400"/>
+          </a:p>
+        </p:txBody>
+      </p:sp>
+      <p:sp>
+        <p:nvSpPr>
+          <p:cNvPr id="10" name=""/>
+          <p:cNvSpPr txBox="1"/>
+          <p:nvPr/>
+        </p:nvSpPr>
+        <p:spPr>
+          <a:xfrm>
+            <a:off x="609600" y="1533525"/>
+            <a:ext cx="7343775" cy="4751069"/>
+          </a:xfrm>
+          <a:prstGeom prst="rect">
+            <a:avLst/>
+          </a:prstGeom>
+        </p:spPr>
+        <p:txBody>
+          <a:bodyPr wrap="square">
+            <a:spAutoFit/>
+          </a:bodyPr>
+          <a:p>
+            <a:pPr>
+              <a:defRPr/>
+            </a:pPr>
+            <a:endParaRPr lang="en-US" altLang="ko-KR"/>
+          </a:p>
+          <a:p>
+            <a:pPr>
+              <a:defRPr/>
+            </a:pPr>
+            <a:r>
+              <a:rPr lang="en-US" altLang="ko-KR"/>
+              <a:t>namespace _0517winform</a:t>
+            </a:r>
+            <a:endParaRPr lang="en-US" altLang="ko-KR"/>
+          </a:p>
+          <a:p>
+            <a:pPr>
+              <a:defRPr/>
+            </a:pPr>
+            <a:r>
+              <a:rPr lang="en-US" altLang="ko-KR"/>
+              <a:t>{</a:t>
+            </a:r>
+            <a:endParaRPr lang="en-US" altLang="ko-KR"/>
+          </a:p>
+          <a:p>
+            <a:pPr>
+              <a:defRPr/>
+            </a:pPr>
+            <a:r>
+              <a:rPr lang="en-US" altLang="ko-KR"/>
+              <a:t>    public partial class Form1 : Form</a:t>
+            </a:r>
+            <a:endParaRPr lang="en-US" altLang="ko-KR"/>
+          </a:p>
+          <a:p>
+            <a:pPr>
+              <a:defRPr/>
+            </a:pPr>
+            <a:r>
+              <a:rPr lang="en-US" altLang="ko-KR"/>
+              <a:t>    {</a:t>
+            </a:r>
+            <a:endParaRPr lang="en-US" altLang="ko-KR"/>
+          </a:p>
+          <a:p>
+            <a:pPr>
+              <a:defRPr/>
+            </a:pPr>
+            <a:r>
+              <a:rPr lang="en-US" altLang="ko-KR"/>
+              <a:t>        public Form1()</a:t>
+            </a:r>
+            <a:endParaRPr lang="en-US" altLang="ko-KR"/>
+          </a:p>
+          <a:p>
+            <a:pPr>
+              <a:defRPr/>
+            </a:pPr>
+            <a:r>
+              <a:rPr lang="en-US" altLang="ko-KR"/>
+              <a:t>        {</a:t>
+            </a:r>
+            <a:endParaRPr lang="en-US" altLang="ko-KR"/>
+          </a:p>
+          <a:p>
+            <a:pPr>
+              <a:defRPr/>
+            </a:pPr>
+            <a:r>
+              <a:rPr lang="en-US" altLang="ko-KR"/>
+              <a:t>            InitializeComponent();</a:t>
+            </a:r>
+            <a:endParaRPr lang="en-US" altLang="ko-KR"/>
+          </a:p>
+          <a:p>
+            <a:pPr>
+              <a:defRPr/>
+            </a:pPr>
+            <a:r>
+              <a:rPr lang="en-US" altLang="ko-KR"/>
+              <a:t>        }</a:t>
+            </a:r>
+            <a:endParaRPr lang="en-US" altLang="ko-KR"/>
+          </a:p>
+          <a:p>
+            <a:pPr>
+              <a:defRPr/>
+            </a:pPr>
+            <a:endParaRPr lang="en-US" altLang="ko-KR"/>
+          </a:p>
+          <a:p>
+            <a:pPr>
+              <a:defRPr/>
+            </a:pPr>
+            <a:r>
+              <a:rPr lang="en-US" altLang="ko-KR"/>
+              <a:t>        private void Form1_Click(object sender, EventArgs e)</a:t>
+            </a:r>
+            <a:endParaRPr lang="en-US" altLang="ko-KR"/>
+          </a:p>
+          <a:p>
+            <a:pPr>
+              <a:defRPr/>
+            </a:pPr>
+            <a:r>
+              <a:rPr lang="en-US" altLang="ko-KR"/>
+              <a:t>        {</a:t>
+            </a:r>
+            <a:endParaRPr lang="en-US" altLang="ko-KR"/>
+          </a:p>
+          <a:p>
+            <a:pPr>
+              <a:defRPr/>
+            </a:pPr>
+            <a:r>
+              <a:rPr lang="en-US" altLang="ko-KR"/>
+              <a:t>            MessageBox.Show("MessageBoxButtons", "Title Bar",</a:t>
+            </a:r>
+            <a:endParaRPr lang="en-US" altLang="ko-KR"/>
+          </a:p>
+          <a:p>
+            <a:pPr>
+              <a:defRPr/>
+            </a:pPr>
+            <a:r>
+              <a:rPr lang="en-US" altLang="ko-KR"/>
+              <a:t>                MessageBoxButtons.OKCancel);</a:t>
+            </a:r>
+            <a:endParaRPr lang="en-US" altLang="ko-KR"/>
+          </a:p>
+          <a:p>
+            <a:pPr>
+              <a:defRPr/>
+            </a:pPr>
+            <a:r>
+              <a:rPr lang="en-US" altLang="ko-KR"/>
+              <a:t>        }</a:t>
+            </a:r>
+            <a:endParaRPr lang="en-US" altLang="ko-KR"/>
+          </a:p>
+          <a:p>
+            <a:pPr>
+              <a:defRPr/>
+            </a:pPr>
+            <a:r>
+              <a:rPr lang="en-US" altLang="ko-KR"/>
+              <a:t>    }</a:t>
+            </a:r>
+            <a:endParaRPr lang="en-US" altLang="ko-KR"/>
+          </a:p>
+          <a:p>
+            <a:pPr>
+              <a:defRPr/>
+            </a:pPr>
+            <a:r>
+              <a:rPr lang="en-US" altLang="ko-KR"/>
+              <a:t>}</a:t>
+            </a:r>
+            <a:endParaRPr lang="en-US" altLang="ko-KR"/>
+          </a:p>
+        </p:txBody>
+      </p:sp>
+    </p:spTree>
+  </p:cSld>
+  <p:clrMapOvr>
+    <a:masterClrMapping/>
+  </p:clrMapOvr>
+  <mc:AlternateContent xmlns:mc="http://schemas.openxmlformats.org/markup-compatibility/2006">
+    <mc:Choice xmlns:p14="http://schemas.microsoft.com/office/powerpoint/2010/main" Requires="p14">
+      <p:transition xmlns:mc="http://schemas.openxmlformats.org/markup-compatibility/2006" xmlns:p14="http://schemas.microsoft.com/office/powerpoint/2010/main" mc:Ignorable="p14" p14:dur="500"/>
+    </mc:Choice>
+    <mc:Fallback>
+      <p:transition/>
+    </mc:Fallback>
+  </mc:AlternateContent>
+</p:sld>
+</file>
+
+<file path=ppt/slides/slide15.xml><?xml version="1.0" encoding="utf-8"?>
+<p:sld xmlns:r="http://schemas.openxmlformats.org/officeDocument/2006/relationships" xmlns:c="http://schemas.openxmlformats.org/drawingml/2006/chart" xmlns:a="http://schemas.openxmlformats.org/drawingml/2006/main" xmlns:dgm="http://schemas.openxmlformats.org/drawingml/2006/diagram" xmlns:dsp="http://schemas.microsoft.com/office/drawing/2008/diagram" xmlns:p="http://schemas.openxmlformats.org/presentationml/2006/main">
+  <p:cSld>
+    <p:spTree>
+      <p:nvGrpSpPr>
+        <p:cNvPr id="1" name=""/>
+        <p:cNvGrpSpPr/>
+        <p:nvPr/>
+      </p:nvGrpSpPr>
+      <p:grpSpPr>
+        <a:xfrm>
+          <a:off x="0" y="0"/>
+          <a:ext cx="0" cy="0"/>
+          <a:chOff x="0" y="0"/>
+          <a:chExt cx="0" cy="0"/>
+        </a:xfrm>
+      </p:grpSpPr>
+    </p:spTree>
+  </p:cSld>
+  <p:clrMapOvr>
+    <a:masterClrMapping/>
+  </p:clrMapOvr>
+  <mc:AlternateContent xmlns:mc="http://schemas.openxmlformats.org/markup-compatibility/2006">
+    <mc:Choice xmlns:p14="http://schemas.microsoft.com/office/powerpoint/2010/main" Requires="p14">
+      <p:transition xmlns:mc="http://schemas.openxmlformats.org/markup-compatibility/2006" xmlns:p14="http://schemas.microsoft.com/office/powerpoint/2010/main" mc:Ignorable="p14" p14:dur="500"/>
+    </mc:Choice>
+    <mc:Fallback>
+      <p:transition/>
+    </mc:Fallback>
+  </mc:AlternateContent>
+</p:sld>
+</file>
+
+<file path=ppt/slides/slide16.xml><?xml version="1.0" encoding="utf-8"?>
+<p:sld xmlns:r="http://schemas.openxmlformats.org/officeDocument/2006/relationships" xmlns:c="http://schemas.openxmlformats.org/drawingml/2006/chart" xmlns:a="http://schemas.openxmlformats.org/drawingml/2006/main" xmlns:dgm="http://schemas.openxmlformats.org/drawingml/2006/diagram" xmlns:dsp="http://schemas.microsoft.com/office/drawing/2008/diagram" xmlns:p="http://schemas.openxmlformats.org/presentationml/2006/main">
+  <p:cSld>
+    <p:spTree>
+      <p:nvGrpSpPr>
+        <p:cNvPr id="1" name=""/>
+        <p:cNvGrpSpPr/>
+        <p:nvPr/>
+      </p:nvGrpSpPr>
+      <p:grpSpPr>
+        <a:xfrm>
+          <a:off x="0" y="0"/>
+          <a:ext cx="0" cy="0"/>
+          <a:chOff x="0" y="0"/>
+          <a:chExt cx="0" cy="0"/>
+        </a:xfrm>
+      </p:grpSpPr>
+    </p:spTree>
+  </p:cSld>
+  <p:clrMapOvr>
+    <a:masterClrMapping/>
+  </p:clrMapOvr>
+  <mc:AlternateContent xmlns:mc="http://schemas.openxmlformats.org/markup-compatibility/2006">
+    <mc:Choice xmlns:p14="http://schemas.microsoft.com/office/powerpoint/2010/main" Requires="p14">
+      <p:transition xmlns:mc="http://schemas.openxmlformats.org/markup-compatibility/2006" xmlns:p14="http://schemas.microsoft.com/office/powerpoint/2010/main" mc:Ignorable="p14" p14:dur="500"/>
+    </mc:Choice>
+    <mc:Fallback>
+      <p:transition/>
+    </mc:Fallback>
+  </mc:AlternateContent>
+</p:sld>
+</file>
+
+<file path=ppt/slides/slide17.xml><?xml version="1.0" encoding="utf-8"?>
 <p:sld xmlns:a="http://schemas.openxmlformats.org/drawingml/2006/main" xmlns:r="http://schemas.openxmlformats.org/officeDocument/2006/relationships" xmlns:p="http://schemas.openxmlformats.org/presentationml/2006/main">
   <p:cSld>
     <p:spTree>
@@ -8447,7 +10252,7 @@
 </p:sld>
 </file>
 
-<file path=ppt/slides/slide14.xml><?xml version="1.0" encoding="utf-8"?>
+<file path=ppt/slides/slide18.xml><?xml version="1.0" encoding="utf-8"?>
 <p:sld xmlns:a="http://schemas.openxmlformats.org/drawingml/2006/main" xmlns:r="http://schemas.openxmlformats.org/officeDocument/2006/relationships" xmlns:p="http://schemas.openxmlformats.org/presentationml/2006/main">
   <p:cSld>
     <p:spTree>
@@ -15677,44 +17482,44 @@
 </file>
 
 <file path=ppt/theme/theme1.xml><?xml version="1.0" encoding="utf-8"?>
-<a:theme xmlns:a="http://schemas.openxmlformats.org/drawingml/2006/main" name="Office 테마">
+<a:theme xmlns:r="http://schemas.openxmlformats.org/officeDocument/2006/relationships" xmlns:c="http://schemas.openxmlformats.org/drawingml/2006/chart" xmlns:dgm="http://schemas.openxmlformats.org/drawingml/2006/diagram" xmlns:dsp="http://schemas.microsoft.com/office/drawing/2008/diagram" xmlns:a="http://schemas.openxmlformats.org/drawingml/2006/main" xmlns:pic="http://schemas.openxmlformats.org/drawingml/2006/picture" xmlns:wp="http://schemas.openxmlformats.org/drawingml/2006/wordprocessingDrawing" xmlns:xdr="http://schemas.openxmlformats.org/drawingml/2006/spreadsheetDrawing" xmlns:lc="http://schemas.openxmlformats.org/drawingml/2006/lockedCanvas" xmlns:p="http://schemas.openxmlformats.org/presentationml/2006/main" name="Office 테마">
   <a:themeElements>
     <a:clrScheme name="Office">
       <a:dk1>
         <a:sysClr val="windowText" lastClr="000000"/>
       </a:dk1>
       <a:lt1>
-        <a:sysClr val="window" lastClr="FFFFFF"/>
+        <a:sysClr val="window" lastClr="ffffff"/>
       </a:lt1>
       <a:dk2>
-        <a:srgbClr val="44546A"/>
+        <a:srgbClr val="44546a"/>
       </a:dk2>
       <a:lt2>
-        <a:srgbClr val="E7E6E6"/>
+        <a:srgbClr val="e7e6e6"/>
       </a:lt2>
       <a:accent1>
-        <a:srgbClr val="4472C4"/>
+        <a:srgbClr val="4472c4"/>
       </a:accent1>
       <a:accent2>
-        <a:srgbClr val="ED7D31"/>
+        <a:srgbClr val="ed7d31"/>
       </a:accent2>
       <a:accent3>
-        <a:srgbClr val="A5A5A5"/>
+        <a:srgbClr val="a5a5a5"/>
       </a:accent3>
       <a:accent4>
-        <a:srgbClr val="FFC000"/>
+        <a:srgbClr val="ffc000"/>
       </a:accent4>
       <a:accent5>
-        <a:srgbClr val="5B9BD5"/>
+        <a:srgbClr val="5b9bd5"/>
       </a:accent5>
       <a:accent6>
-        <a:srgbClr val="70AD47"/>
+        <a:srgbClr val="70ad47"/>
       </a:accent6>
       <a:hlink>
-        <a:srgbClr val="0563C1"/>
+        <a:srgbClr val="0563c1"/>
       </a:hlink>
       <a:folHlink>
-        <a:srgbClr val="954F72"/>
+        <a:srgbClr val="954f72"/>
       </a:folHlink>
     </a:clrScheme>
     <a:fontScheme name="Office">
@@ -15722,7 +17527,7 @@
         <a:latin typeface="맑은 고딕" panose="020F0302020204030204"/>
         <a:ea typeface=""/>
         <a:cs typeface=""/>
-        <a:font script="Jpan" typeface="游ゴシック Light"/>
+        <a:font script="Jpan" typeface="Yu Gothic Light"/>
         <a:font script="Hang" typeface="맑은 고딕"/>
         <a:font script="Hans" typeface="等线 Light"/>
         <a:font script="Hant" typeface="新細明體"/>
@@ -15774,7 +17579,7 @@
         <a:latin typeface="맑은 고딕" panose="020F0502020204030204"/>
         <a:ea typeface=""/>
         <a:cs typeface=""/>
-        <a:font script="Jpan" typeface="游ゴシック"/>
+        <a:font script="Jpan" typeface="Yu Gothic"/>
         <a:font script="Hang" typeface="맑은 고딕"/>
         <a:font script="Hans" typeface="等线"/>
         <a:font script="Hant" typeface="新細明體"/>
@@ -15887,21 +17692,21 @@
             <a:schemeClr val="phClr"/>
           </a:solidFill>
           <a:prstDash val="solid"/>
-          <a:miter lim="800000"/>
+          <a:miter/>
         </a:ln>
         <a:ln w="12700" cap="flat" cmpd="sng" algn="ctr">
           <a:solidFill>
             <a:schemeClr val="phClr"/>
           </a:solidFill>
           <a:prstDash val="solid"/>
-          <a:miter lim="800000"/>
+          <a:miter/>
         </a:ln>
         <a:ln w="19050" cap="flat" cmpd="sng" algn="ctr">
           <a:solidFill>
             <a:schemeClr val="phClr"/>
           </a:solidFill>
           <a:prstDash val="solid"/>
-          <a:miter lim="800000"/>
+          <a:miter/>
         </a:ln>
       </a:lnStyleLst>
       <a:effectStyleLst>
@@ -15961,12 +17766,5 @@
       </a:bgFillStyleLst>
     </a:fmtScheme>
   </a:themeElements>
-  <a:objectDefaults/>
-  <a:extraClrSchemeLst/>
-  <a:extLst>
-    <a:ext uri="{05A4C25C-085E-4340-85A3-A5531E510DB2}">
-      <thm15:themeFamily xmlns:thm15="http://schemas.microsoft.com/office/thememl/2012/main" name="Office Theme" id="{62F939B6-93AF-4DB8-9C6B-D6C7DFDC589F}" vid="{4A3C46E8-61CC-4603-A589-7422A47A8E4A}"/>
-    </a:ext>
-  </a:extLst>
 </a:theme>
 </file>
--- a/0517/20210517_객체지향_winform.pptx
+++ b/0517/20210517_객체지향_winform.pptx
@@ -2,7 +2,7 @@
 <file path=ppt/presentation.xml><?xml version="1.0" encoding="utf-8"?>
 <p:presentation xmlns:r="http://schemas.openxmlformats.org/officeDocument/2006/relationships" xmlns:c="http://schemas.openxmlformats.org/drawingml/2006/chart" xmlns:a="http://schemas.openxmlformats.org/drawingml/2006/main" xmlns:dgm="http://schemas.openxmlformats.org/drawingml/2006/diagram" xmlns:dsp="http://schemas.microsoft.com/office/drawing/2008/diagram" xmlns:p="http://schemas.openxmlformats.org/presentationml/2006/main">
   <p:sldMasterIdLst>
-    <p:sldMasterId id="2147483663" r:id="rId1"/>
+    <p:sldMasterId id="2147483665" r:id="rId1"/>
   </p:sldMasterIdLst>
   <p:sldIdLst>
     <p:sldId id="256" r:id="rId2"/>
@@ -23,6 +23,7 @@
     <p:sldId id="271" r:id="rId17"/>
     <p:sldId id="272" r:id="rId18"/>
     <p:sldId id="273" r:id="rId19"/>
+    <p:sldId id="274" r:id="rId20"/>
   </p:sldIdLst>
   <p:sldSz cx="12192000" cy="6858000"/>
   <p:notesSz cx="6858000" cy="9144000"/>
@@ -8836,6 +8837,310 @@
           <a:chExt cx="0" cy="0"/>
         </a:xfrm>
       </p:grpSpPr>
+      <p:sp>
+        <p:nvSpPr>
+          <p:cNvPr id="2" name=""/>
+          <p:cNvSpPr txBox="1"/>
+          <p:nvPr/>
+        </p:nvSpPr>
+        <p:spPr>
+          <a:xfrm>
+            <a:off x="4238624" y="990599"/>
+            <a:ext cx="7953376" cy="5455921"/>
+          </a:xfrm>
+          <a:prstGeom prst="rect">
+            <a:avLst/>
+          </a:prstGeom>
+        </p:spPr>
+        <p:txBody>
+          <a:bodyPr wrap="square">
+            <a:spAutoFit/>
+          </a:bodyPr>
+          <a:p>
+            <a:pPr>
+              <a:defRPr/>
+            </a:pPr>
+            <a:r>
+              <a:rPr lang="en-US" altLang="en-US" sz="1600"/>
+              <a:t>namespace _0517winform</a:t>
+            </a:r>
+            <a:endParaRPr lang="en-US" altLang="en-US" sz="1600"/>
+          </a:p>
+          <a:p>
+            <a:pPr>
+              <a:defRPr/>
+            </a:pPr>
+            <a:r>
+              <a:rPr lang="en-US" altLang="en-US" sz="1600"/>
+              <a:t>{</a:t>
+            </a:r>
+            <a:endParaRPr lang="en-US" altLang="en-US" sz="1600"/>
+          </a:p>
+          <a:p>
+            <a:pPr>
+              <a:defRPr/>
+            </a:pPr>
+            <a:r>
+              <a:rPr lang="en-US" altLang="en-US" sz="1600"/>
+              <a:t>    public partial class Form1 : Form</a:t>
+            </a:r>
+            <a:endParaRPr lang="en-US" altLang="en-US" sz="1600"/>
+          </a:p>
+          <a:p>
+            <a:pPr>
+              <a:defRPr/>
+            </a:pPr>
+            <a:r>
+              <a:rPr lang="en-US" altLang="en-US" sz="1600"/>
+              <a:t>    {</a:t>
+            </a:r>
+            <a:endParaRPr lang="en-US" altLang="en-US" sz="1600"/>
+          </a:p>
+          <a:p>
+            <a:pPr>
+              <a:defRPr/>
+            </a:pPr>
+            <a:r>
+              <a:rPr lang="en-US" altLang="en-US" sz="1600"/>
+              <a:t>        public Form1()</a:t>
+            </a:r>
+            <a:endParaRPr lang="en-US" altLang="en-US" sz="1600"/>
+          </a:p>
+          <a:p>
+            <a:pPr>
+              <a:defRPr/>
+            </a:pPr>
+            <a:r>
+              <a:rPr lang="en-US" altLang="en-US" sz="1600"/>
+              <a:t>        {</a:t>
+            </a:r>
+            <a:endParaRPr lang="en-US" altLang="en-US" sz="1600"/>
+          </a:p>
+          <a:p>
+            <a:pPr>
+              <a:defRPr/>
+            </a:pPr>
+            <a:r>
+              <a:rPr lang="en-US" altLang="en-US" sz="1600"/>
+              <a:t>            InitializeComponent();</a:t>
+            </a:r>
+            <a:endParaRPr lang="en-US" altLang="en-US" sz="1600"/>
+          </a:p>
+          <a:p>
+            <a:pPr>
+              <a:defRPr/>
+            </a:pPr>
+            <a:r>
+              <a:rPr lang="en-US" altLang="en-US" sz="1600"/>
+              <a:t>        }</a:t>
+            </a:r>
+            <a:endParaRPr lang="en-US" altLang="en-US" sz="1600"/>
+          </a:p>
+          <a:p>
+            <a:pPr>
+              <a:defRPr/>
+            </a:pPr>
+            <a:endParaRPr lang="en-US" altLang="en-US" sz="1600"/>
+          </a:p>
+          <a:p>
+            <a:pPr>
+              <a:defRPr/>
+            </a:pPr>
+            <a:r>
+              <a:rPr lang="en-US" altLang="en-US" sz="1600"/>
+              <a:t>        private void button1_Click(object sender, EventArgs e)</a:t>
+            </a:r>
+            <a:endParaRPr lang="en-US" altLang="en-US" sz="1600"/>
+          </a:p>
+          <a:p>
+            <a:pPr>
+              <a:defRPr/>
+            </a:pPr>
+            <a:r>
+              <a:rPr lang="en-US" altLang="en-US" sz="1600"/>
+              <a:t>        {</a:t>
+            </a:r>
+            <a:endParaRPr lang="en-US" altLang="en-US" sz="1600"/>
+          </a:p>
+          <a:p>
+            <a:pPr>
+              <a:defRPr/>
+            </a:pPr>
+            <a:r>
+              <a:rPr lang="en-US" altLang="en-US" sz="1600"/>
+              <a:t>            OpenFileDialog openFileDialog1 = new OpenFileDialog();</a:t>
+            </a:r>
+            <a:endParaRPr lang="en-US" altLang="en-US" sz="1600"/>
+          </a:p>
+          <a:p>
+            <a:pPr>
+              <a:defRPr/>
+            </a:pPr>
+            <a:r>
+              <a:rPr lang="en-US" altLang="en-US" sz="1600"/>
+              <a:t>            openFileDialog1.InitialDirectory = </a:t>
+            </a:r>
+            <a:r>
+              <a:rPr lang="en-US" altLang="en-US" sz="1600">
+                <a:solidFill>
+                  <a:srgbClr val="eb5800"/>
+                </a:solidFill>
+              </a:rPr>
+              <a:t>@"C:\"</a:t>
+            </a:r>
+            <a:r>
+              <a:rPr lang="en-US" altLang="en-US" sz="1600"/>
+              <a:t>;</a:t>
+            </a:r>
+            <a:endParaRPr lang="en-US" altLang="en-US" sz="1600"/>
+          </a:p>
+          <a:p>
+            <a:pPr>
+              <a:defRPr/>
+            </a:pPr>
+            <a:r>
+              <a:rPr lang="en-US" altLang="en-US" sz="1600"/>
+              <a:t>            openFileDialog1.Filter</a:t>
+            </a:r>
+            <a:endParaRPr lang="en-US" altLang="en-US" sz="1600"/>
+          </a:p>
+          <a:p>
+            <a:pPr>
+              <a:defRPr/>
+            </a:pPr>
+            <a:r>
+              <a:rPr lang="en-US" altLang="en-US" sz="1600"/>
+              <a:t>                </a:t>
+            </a:r>
+            <a:r>
+              <a:rPr lang="en-US" altLang="en-US" sz="1600">
+                <a:solidFill>
+                  <a:srgbClr val="eb5800"/>
+                </a:solidFill>
+              </a:rPr>
+              <a:t>= "텍스트 파일(*.txt)|*.txt|모든 파일(*.*)|*.*"</a:t>
+            </a:r>
+            <a:r>
+              <a:rPr lang="en-US" altLang="en-US" sz="1600"/>
+              <a:t>;</a:t>
+            </a:r>
+            <a:endParaRPr lang="en-US" altLang="en-US" sz="1600"/>
+          </a:p>
+          <a:p>
+            <a:pPr>
+              <a:defRPr/>
+            </a:pPr>
+            <a:r>
+              <a:rPr lang="en-US" altLang="en-US" sz="1600"/>
+              <a:t>            openFileDialog1.FilterIndex = 1;</a:t>
+            </a:r>
+            <a:endParaRPr lang="en-US" altLang="en-US" sz="1600"/>
+          </a:p>
+          <a:p>
+            <a:pPr>
+              <a:defRPr/>
+            </a:pPr>
+            <a:r>
+              <a:rPr lang="en-US" altLang="en-US" sz="1600"/>
+              <a:t>            openFileDialog1.RestoreDirectory = true;</a:t>
+            </a:r>
+            <a:endParaRPr lang="en-US" altLang="en-US" sz="1600"/>
+          </a:p>
+          <a:p>
+            <a:pPr>
+              <a:defRPr/>
+            </a:pPr>
+            <a:r>
+              <a:rPr lang="en-US" altLang="en-US" sz="1600"/>
+              <a:t>            openFileDialog1.ShowDialog();</a:t>
+            </a:r>
+            <a:endParaRPr lang="en-US" altLang="en-US" sz="1600"/>
+          </a:p>
+          <a:p>
+            <a:pPr>
+              <a:defRPr/>
+            </a:pPr>
+            <a:r>
+              <a:rPr lang="en-US" altLang="en-US" sz="1600"/>
+              <a:t>            textBox1.Text = openFileDialog1.FileName;</a:t>
+            </a:r>
+            <a:endParaRPr lang="en-US" altLang="en-US" sz="1600"/>
+          </a:p>
+          <a:p>
+            <a:pPr>
+              <a:defRPr/>
+            </a:pPr>
+            <a:r>
+              <a:rPr lang="en-US" altLang="en-US" sz="1600"/>
+              <a:t>        }</a:t>
+            </a:r>
+            <a:endParaRPr lang="en-US" altLang="en-US" sz="1600"/>
+          </a:p>
+          <a:p>
+            <a:pPr>
+              <a:defRPr/>
+            </a:pPr>
+            <a:r>
+              <a:rPr lang="en-US" altLang="en-US" sz="1600"/>
+              <a:t>    }</a:t>
+            </a:r>
+            <a:endParaRPr lang="en-US" altLang="en-US" sz="1600"/>
+          </a:p>
+          <a:p>
+            <a:pPr>
+              <a:defRPr/>
+            </a:pPr>
+            <a:r>
+              <a:rPr lang="en-US" altLang="en-US" sz="1600"/>
+              <a:t>}</a:t>
+            </a:r>
+            <a:endParaRPr lang="en-US" altLang="en-US" sz="1600"/>
+          </a:p>
+        </p:txBody>
+      </p:sp>
+      <p:sp>
+        <p:nvSpPr>
+          <p:cNvPr id="3" name=""/>
+          <p:cNvSpPr txBox="1"/>
+          <p:nvPr/>
+        </p:nvSpPr>
+        <p:spPr>
+          <a:xfrm>
+            <a:off x="409575" y="333373"/>
+            <a:ext cx="5181599" cy="445772"/>
+          </a:xfrm>
+          <a:prstGeom prst="rect">
+            <a:avLst/>
+          </a:prstGeom>
+        </p:spPr>
+        <p:txBody>
+          <a:bodyPr wrap="square">
+            <a:spAutoFit/>
+          </a:bodyPr>
+          <a:p>
+            <a:pPr>
+              <a:defRPr/>
+            </a:pPr>
+            <a:r>
+              <a:rPr lang="ko-KR" altLang="en-US" sz="2400"/>
+              <a:t>공통 대화상자 </a:t>
+            </a:r>
+            <a:r>
+              <a:rPr lang="en-US" altLang="ko-KR" sz="2400"/>
+              <a:t>-</a:t>
+            </a:r>
+            <a:r>
+              <a:rPr lang="ko-KR" altLang="en-US" sz="2400"/>
+              <a:t> 열기 대화상자 </a:t>
+            </a:r>
+            <a:r>
+              <a:rPr lang="en-US" altLang="ko-KR" sz="2400"/>
+              <a:t>(1)</a:t>
+            </a:r>
+            <a:endParaRPr lang="en-US" altLang="ko-KR" sz="2400"/>
+          </a:p>
+        </p:txBody>
+      </p:sp>
     </p:spTree>
   </p:cSld>
   <p:clrMapOvr>
@@ -8869,6 +9174,171 @@
           <a:chExt cx="0" cy="0"/>
         </a:xfrm>
       </p:grpSpPr>
+      <p:pic>
+        <p:nvPicPr>
+          <p:cNvPr id="2" name=""/>
+          <p:cNvPicPr>
+            <a:picLocks noChangeAspect="1"/>
+          </p:cNvPicPr>
+          <p:nvPr/>
+        </p:nvPicPr>
+        <p:blipFill rotWithShape="1">
+          <a:blip r:embed="rId2"/>
+          <a:stretch>
+            <a:fillRect/>
+          </a:stretch>
+        </p:blipFill>
+        <p:spPr>
+          <a:xfrm>
+            <a:off x="877772" y="781850"/>
+            <a:ext cx="3923212" cy="2647150"/>
+          </a:xfrm>
+          <a:prstGeom prst="rect">
+            <a:avLst/>
+          </a:prstGeom>
+        </p:spPr>
+      </p:pic>
+      <p:pic>
+        <p:nvPicPr>
+          <p:cNvPr id="3" name=""/>
+          <p:cNvPicPr>
+            <a:picLocks noChangeAspect="1"/>
+          </p:cNvPicPr>
+          <p:nvPr/>
+        </p:nvPicPr>
+        <p:blipFill rotWithShape="1">
+          <a:blip r:embed="rId3"/>
+          <a:stretch>
+            <a:fillRect/>
+          </a:stretch>
+        </p:blipFill>
+        <p:spPr>
+          <a:xfrm>
+            <a:off x="5912456" y="628259"/>
+            <a:ext cx="4665682" cy="2915431"/>
+          </a:xfrm>
+          <a:prstGeom prst="rect">
+            <a:avLst/>
+          </a:prstGeom>
+        </p:spPr>
+      </p:pic>
+      <p:pic>
+        <p:nvPicPr>
+          <p:cNvPr id="4" name=""/>
+          <p:cNvPicPr>
+            <a:picLocks noChangeAspect="1"/>
+          </p:cNvPicPr>
+          <p:nvPr/>
+        </p:nvPicPr>
+        <p:blipFill rotWithShape="1">
+          <a:blip r:embed="rId4"/>
+          <a:stretch>
+            <a:fillRect/>
+          </a:stretch>
+        </p:blipFill>
+        <p:spPr>
+          <a:xfrm>
+            <a:off x="6096000" y="3740535"/>
+            <a:ext cx="4319973" cy="2899810"/>
+          </a:xfrm>
+          <a:prstGeom prst="rect">
+            <a:avLst/>
+          </a:prstGeom>
+        </p:spPr>
+      </p:pic>
+      <p:sp>
+        <p:nvSpPr>
+          <p:cNvPr id="5" name=""/>
+          <p:cNvSpPr txBox="1"/>
+          <p:nvPr/>
+        </p:nvSpPr>
+        <p:spPr>
+          <a:xfrm>
+            <a:off x="5419725" y="3819525"/>
+            <a:ext cx="390525" cy="360045"/>
+          </a:xfrm>
+          <a:prstGeom prst="rect">
+            <a:avLst/>
+          </a:prstGeom>
+        </p:spPr>
+        <p:txBody>
+          <a:bodyPr wrap="square">
+            <a:spAutoFit/>
+          </a:bodyPr>
+          <a:p>
+            <a:pPr>
+              <a:defRPr/>
+            </a:pPr>
+            <a:r>
+              <a:rPr lang="en-US" altLang="ko-KR"/>
+              <a:t>(3)</a:t>
+            </a:r>
+            <a:endParaRPr lang="en-US" altLang="ko-KR"/>
+          </a:p>
+        </p:txBody>
+      </p:sp>
+      <p:sp>
+        <p:nvSpPr>
+          <p:cNvPr id="6" name=""/>
+          <p:cNvSpPr txBox="1"/>
+          <p:nvPr/>
+        </p:nvSpPr>
+        <p:spPr>
+          <a:xfrm>
+            <a:off x="5381625" y="762000"/>
+            <a:ext cx="495300" cy="360045"/>
+          </a:xfrm>
+          <a:prstGeom prst="rect">
+            <a:avLst/>
+          </a:prstGeom>
+        </p:spPr>
+        <p:txBody>
+          <a:bodyPr wrap="square">
+            <a:spAutoFit/>
+          </a:bodyPr>
+          <a:p>
+            <a:pPr>
+              <a:defRPr/>
+            </a:pPr>
+            <a:r>
+              <a:rPr lang="en-US" altLang="ko-KR"/>
+              <a:t>(2)</a:t>
+            </a:r>
+            <a:endParaRPr lang="en-US" altLang="ko-KR"/>
+          </a:p>
+        </p:txBody>
+      </p:sp>
+      <p:sp>
+        <p:nvSpPr>
+          <p:cNvPr id="7" name=""/>
+          <p:cNvSpPr txBox="1"/>
+          <p:nvPr/>
+        </p:nvSpPr>
+        <p:spPr>
+          <a:xfrm>
+            <a:off x="466725" y="523875"/>
+            <a:ext cx="409575" cy="360045"/>
+          </a:xfrm>
+          <a:prstGeom prst="rect">
+            <a:avLst/>
+          </a:prstGeom>
+        </p:spPr>
+        <p:txBody>
+          <a:bodyPr wrap="square">
+            <a:spAutoFit/>
+          </a:bodyPr>
+          <a:p>
+            <a:pPr>
+              <a:defRPr/>
+            </a:pPr>
+            <a:r>
+              <a:rPr lang="en-US" altLang="ko-KR"/>
+              <a:t>(1)</a:t>
+            </a:r>
+            <a:endParaRPr lang="en-US" altLang="ko-KR"/>
+          </a:p>
+        </p:txBody>
+      </p:sp>
     </p:spTree>
   </p:cSld>
   <p:clrMapOvr>
@@ -8886,6 +9356,356 @@
 </file>
 
 <file path=ppt/slides/slide17.xml><?xml version="1.0" encoding="utf-8"?>
+<p:sld xmlns:r="http://schemas.openxmlformats.org/officeDocument/2006/relationships" xmlns:c="http://schemas.openxmlformats.org/drawingml/2006/chart" xmlns:a="http://schemas.openxmlformats.org/drawingml/2006/main" xmlns:dgm="http://schemas.openxmlformats.org/drawingml/2006/diagram" xmlns:dsp="http://schemas.microsoft.com/office/drawing/2008/diagram" xmlns:p="http://schemas.openxmlformats.org/presentationml/2006/main">
+  <p:cSld>
+    <p:spTree>
+      <p:nvGrpSpPr>
+        <p:cNvPr id="1" name=""/>
+        <p:cNvGrpSpPr/>
+        <p:nvPr/>
+      </p:nvGrpSpPr>
+      <p:grpSpPr>
+        <a:xfrm>
+          <a:off x="0" y="0"/>
+          <a:ext cx="0" cy="0"/>
+          <a:chOff x="0" y="0"/>
+          <a:chExt cx="0" cy="0"/>
+        </a:xfrm>
+      </p:grpSpPr>
+      <p:pic>
+        <p:nvPicPr>
+          <p:cNvPr id="4" name=""/>
+          <p:cNvPicPr>
+            <a:picLocks noChangeAspect="1"/>
+          </p:cNvPicPr>
+          <p:nvPr/>
+        </p:nvPicPr>
+        <p:blipFill rotWithShape="1">
+          <a:blip r:embed="rId2"/>
+          <a:stretch>
+            <a:fillRect/>
+          </a:stretch>
+        </p:blipFill>
+        <p:spPr>
+          <a:xfrm>
+            <a:off x="7244140" y="332860"/>
+            <a:ext cx="4648208" cy="3096139"/>
+          </a:xfrm>
+          <a:prstGeom prst="rect">
+            <a:avLst/>
+          </a:prstGeom>
+        </p:spPr>
+      </p:pic>
+      <p:sp>
+        <p:nvSpPr>
+          <p:cNvPr id="5" name=""/>
+          <p:cNvSpPr txBox="1"/>
+          <p:nvPr/>
+        </p:nvSpPr>
+        <p:spPr>
+          <a:xfrm>
+            <a:off x="723900" y="2257425"/>
+            <a:ext cx="7667625" cy="4236720"/>
+          </a:xfrm>
+          <a:prstGeom prst="rect">
+            <a:avLst/>
+          </a:prstGeom>
+        </p:spPr>
+        <p:txBody>
+          <a:bodyPr wrap="square">
+            <a:spAutoFit/>
+          </a:bodyPr>
+          <a:p>
+            <a:pPr>
+              <a:defRPr/>
+            </a:pPr>
+            <a:r>
+              <a:rPr lang="en-US" altLang="en-US" sz="1600"/>
+              <a:t>private void button1_Click(object sender, EventArgs e)</a:t>
+            </a:r>
+            <a:endParaRPr lang="en-US" altLang="en-US" sz="1600"/>
+          </a:p>
+          <a:p>
+            <a:pPr>
+              <a:defRPr/>
+            </a:pPr>
+            <a:r>
+              <a:rPr lang="en-US" altLang="en-US" sz="1600"/>
+              <a:t>        {</a:t>
+            </a:r>
+            <a:endParaRPr lang="en-US" altLang="en-US" sz="1600"/>
+          </a:p>
+          <a:p>
+            <a:pPr>
+              <a:defRPr/>
+            </a:pPr>
+            <a:r>
+              <a:rPr lang="en-US" altLang="en-US" sz="1600"/>
+              <a:t>            OpenFileDialog openFileDialog1 = new OpenFileDialog();</a:t>
+            </a:r>
+            <a:endParaRPr lang="en-US" altLang="en-US" sz="1600"/>
+          </a:p>
+          <a:p>
+            <a:pPr>
+              <a:defRPr/>
+            </a:pPr>
+            <a:r>
+              <a:rPr lang="en-US" altLang="en-US" sz="1600"/>
+              <a:t>            </a:t>
+            </a:r>
+            <a:endParaRPr lang="en-US" altLang="en-US" sz="1600"/>
+          </a:p>
+          <a:p>
+            <a:pPr>
+              <a:defRPr/>
+            </a:pPr>
+            <a:r>
+              <a:rPr lang="en-US" altLang="en-US" sz="1600"/>
+              <a:t>openFileDialog1.InitialDirectory = </a:t>
+            </a:r>
+            <a:r>
+              <a:rPr lang="en-US" altLang="en-US" sz="1600">
+                <a:solidFill>
+                  <a:srgbClr val="eb5800"/>
+                </a:solidFill>
+              </a:rPr>
+              <a:t>@"C:\"</a:t>
+            </a:r>
+            <a:r>
+              <a:rPr lang="en-US" altLang="en-US" sz="1600"/>
+              <a:t>;</a:t>
+            </a:r>
+            <a:endParaRPr lang="en-US" altLang="en-US" sz="1600"/>
+          </a:p>
+          <a:p>
+            <a:pPr>
+              <a:defRPr/>
+            </a:pPr>
+            <a:r>
+              <a:rPr lang="en-US" altLang="en-US" sz="1600"/>
+              <a:t>            openFileDialog1.Filter</a:t>
+            </a:r>
+            <a:endParaRPr lang="en-US" altLang="en-US" sz="1600"/>
+          </a:p>
+          <a:p>
+            <a:pPr>
+              <a:defRPr/>
+            </a:pPr>
+            <a:r>
+              <a:rPr lang="en-US" altLang="en-US" sz="1600"/>
+              <a:t>            = </a:t>
+            </a:r>
+            <a:r>
+              <a:rPr lang="en-US" altLang="en-US" sz="1600">
+                <a:solidFill>
+                  <a:srgbClr val="eb5800"/>
+                </a:solidFill>
+              </a:rPr>
+              <a:t>"텍스트 파일(*.txt)|*.txt|모든 파일(*.*)|*.*"</a:t>
+            </a:r>
+            <a:r>
+              <a:rPr lang="en-US" altLang="en-US" sz="1600"/>
+              <a:t>;</a:t>
+            </a:r>
+            <a:endParaRPr lang="en-US" altLang="en-US" sz="1600"/>
+          </a:p>
+          <a:p>
+            <a:pPr>
+              <a:defRPr/>
+            </a:pPr>
+            <a:r>
+              <a:rPr lang="en-US" altLang="en-US" sz="1600"/>
+              <a:t>            openFileDialog1.FilterIndex = 1;</a:t>
+            </a:r>
+            <a:endParaRPr lang="en-US" altLang="en-US" sz="1600"/>
+          </a:p>
+          <a:p>
+            <a:pPr>
+              <a:defRPr/>
+            </a:pPr>
+            <a:r>
+              <a:rPr lang="en-US" altLang="en-US" sz="1600"/>
+              <a:t>            openFileDialog1.RestoreDirectory = true;</a:t>
+            </a:r>
+            <a:endParaRPr lang="en-US" altLang="en-US" sz="1600"/>
+          </a:p>
+          <a:p>
+            <a:pPr>
+              <a:defRPr/>
+            </a:pPr>
+            <a:r>
+              <a:rPr lang="en-US" altLang="en-US" sz="1600"/>
+              <a:t>            openFileDialog1.Multiselect = true;</a:t>
+            </a:r>
+            <a:endParaRPr lang="en-US" altLang="en-US" sz="1600"/>
+          </a:p>
+          <a:p>
+            <a:pPr>
+              <a:defRPr/>
+            </a:pPr>
+            <a:r>
+              <a:rPr lang="en-US" altLang="en-US" sz="1600"/>
+              <a:t>            openFileDialog1.ShowDialog();</a:t>
+            </a:r>
+            <a:endParaRPr lang="en-US" altLang="en-US" sz="1600"/>
+          </a:p>
+          <a:p>
+            <a:pPr>
+              <a:defRPr/>
+            </a:pPr>
+            <a:r>
+              <a:rPr lang="en-US" altLang="en-US" sz="1600"/>
+              <a:t>            foreach (string strTmp in openFileDialog1.FileNames)</a:t>
+            </a:r>
+            <a:endParaRPr lang="en-US" altLang="en-US" sz="1600"/>
+          </a:p>
+          <a:p>
+            <a:pPr>
+              <a:defRPr/>
+            </a:pPr>
+            <a:r>
+              <a:rPr lang="en-US" altLang="en-US" sz="1600"/>
+              <a:t>            {</a:t>
+            </a:r>
+            <a:endParaRPr lang="en-US" altLang="en-US" sz="1600"/>
+          </a:p>
+          <a:p>
+            <a:pPr>
+              <a:defRPr/>
+            </a:pPr>
+            <a:r>
+              <a:rPr lang="en-US" altLang="en-US" sz="1600"/>
+              <a:t>                textBox1.Text += strTmp;</a:t>
+            </a:r>
+            <a:endParaRPr lang="en-US" altLang="en-US" sz="1600"/>
+          </a:p>
+          <a:p>
+            <a:pPr>
+              <a:defRPr/>
+            </a:pPr>
+            <a:r>
+              <a:rPr lang="en-US" altLang="en-US" sz="1600"/>
+              <a:t>                textBox1.Text += "\r\n";</a:t>
+            </a:r>
+            <a:endParaRPr lang="en-US" altLang="en-US" sz="1600"/>
+          </a:p>
+          <a:p>
+            <a:pPr>
+              <a:defRPr/>
+            </a:pPr>
+            <a:r>
+              <a:rPr lang="en-US" altLang="en-US" sz="1600"/>
+              <a:t>            }</a:t>
+            </a:r>
+            <a:endParaRPr lang="en-US" altLang="en-US" sz="1600"/>
+          </a:p>
+          <a:p>
+            <a:pPr>
+              <a:defRPr/>
+            </a:pPr>
+            <a:r>
+              <a:rPr lang="en-US" altLang="en-US" sz="1600"/>
+              <a:t>        }</a:t>
+            </a:r>
+            <a:endParaRPr lang="en-US" altLang="en-US" sz="1600"/>
+          </a:p>
+        </p:txBody>
+      </p:sp>
+      <p:sp>
+        <p:nvSpPr>
+          <p:cNvPr id="6" name=""/>
+          <p:cNvSpPr txBox="1"/>
+          <p:nvPr/>
+        </p:nvSpPr>
+        <p:spPr>
+          <a:xfrm>
+            <a:off x="438150" y="323849"/>
+            <a:ext cx="4962525" cy="445770"/>
+          </a:xfrm>
+          <a:prstGeom prst="rect">
+            <a:avLst/>
+          </a:prstGeom>
+        </p:spPr>
+        <p:txBody>
+          <a:bodyPr wrap="square">
+            <a:spAutoFit/>
+          </a:bodyPr>
+          <a:p>
+            <a:pPr>
+              <a:defRPr/>
+            </a:pPr>
+            <a:r>
+              <a:rPr lang="ko-KR" altLang="en-US" sz="2400"/>
+              <a:t>공통 대화상자 </a:t>
+            </a:r>
+            <a:r>
+              <a:rPr lang="en-US" altLang="ko-KR" sz="2400"/>
+              <a:t>-</a:t>
+            </a:r>
+            <a:r>
+              <a:rPr lang="ko-KR" altLang="en-US" sz="2400"/>
+              <a:t> 열기 대화상자 </a:t>
+            </a:r>
+            <a:r>
+              <a:rPr lang="en-US" altLang="ko-KR" sz="2400"/>
+              <a:t>(2)</a:t>
+            </a:r>
+            <a:endParaRPr lang="en-US" altLang="ko-KR" sz="2400"/>
+          </a:p>
+        </p:txBody>
+      </p:sp>
+      <p:sp>
+        <p:nvSpPr>
+          <p:cNvPr id="7" name=""/>
+          <p:cNvSpPr txBox="1"/>
+          <p:nvPr/>
+        </p:nvSpPr>
+        <p:spPr>
+          <a:xfrm>
+            <a:off x="7388226" y="4076700"/>
+            <a:ext cx="4286249" cy="360045"/>
+          </a:xfrm>
+          <a:prstGeom prst="rect">
+            <a:avLst/>
+          </a:prstGeom>
+        </p:spPr>
+        <p:txBody>
+          <a:bodyPr wrap="square">
+            <a:spAutoFit/>
+          </a:bodyPr>
+          <a:p>
+            <a:pPr>
+              <a:defRPr/>
+            </a:pPr>
+            <a:r>
+              <a:rPr lang="ko-KR" altLang="en-US"/>
+              <a:t>다수의 파일 선택 가능</a:t>
+            </a:r>
+            <a:r>
+              <a:rPr lang="en-US" altLang="ko-KR"/>
+              <a:t>.</a:t>
+            </a:r>
+            <a:endParaRPr lang="en-US" altLang="ko-KR"/>
+          </a:p>
+        </p:txBody>
+      </p:sp>
+    </p:spTree>
+  </p:cSld>
+  <p:clrMapOvr>
+    <a:masterClrMapping/>
+  </p:clrMapOvr>
+  <mc:AlternateContent xmlns:mc="http://schemas.openxmlformats.org/markup-compatibility/2006">
+    <mc:Choice xmlns:p14="http://schemas.microsoft.com/office/powerpoint/2010/main" Requires="p14">
+      <p:transition xmlns:mc="http://schemas.openxmlformats.org/markup-compatibility/2006" xmlns:p14="http://schemas.microsoft.com/office/powerpoint/2010/main" mc:Ignorable="p14" p14:dur="500"/>
+    </mc:Choice>
+    <mc:Fallback>
+      <p:transition/>
+    </mc:Fallback>
+  </mc:AlternateContent>
+</p:sld>
+</file>
+
+<file path=ppt/slides/slide18.xml><?xml version="1.0" encoding="utf-8"?>
 <p:sld xmlns:a="http://schemas.openxmlformats.org/drawingml/2006/main" xmlns:r="http://schemas.openxmlformats.org/officeDocument/2006/relationships" xmlns:p="http://schemas.openxmlformats.org/presentationml/2006/main">
   <p:cSld>
     <p:spTree>
@@ -10252,7 +11072,7 @@
 </p:sld>
 </file>
 
-<file path=ppt/slides/slide18.xml><?xml version="1.0" encoding="utf-8"?>
+<file path=ppt/slides/slide19.xml><?xml version="1.0" encoding="utf-8"?>
 <p:sld xmlns:a="http://schemas.openxmlformats.org/drawingml/2006/main" xmlns:r="http://schemas.openxmlformats.org/officeDocument/2006/relationships" xmlns:p="http://schemas.openxmlformats.org/presentationml/2006/main">
   <p:cSld>
     <p:spTree>
